--- a/PPT_Team3.pptx
+++ b/PPT_Team3.pptx
@@ -873,7 +873,1350 @@
 </dgm:colorsDef>
 </file>
 
+<file path=ppt/diagrams/colors2.xml><?xml version="1.0" encoding="utf-8"?>
+<dgm:colorsDef xmlns:dgm="http://schemas.openxmlformats.org/drawingml/2006/diagram" xmlns:a="http://schemas.openxmlformats.org/drawingml/2006/main" uniqueId="urn:microsoft.com/office/officeart/2005/8/colors/accent1_2">
+  <dgm:title val=""/>
+  <dgm:desc val=""/>
+  <dgm:catLst>
+    <dgm:cat type="accent1" pri="11200"/>
+  </dgm:catLst>
+  <dgm:styleLbl name="node0">
+    <dgm:fillClrLst meth="repeat">
+      <a:schemeClr val="accent1"/>
+    </dgm:fillClrLst>
+    <dgm:linClrLst meth="repeat">
+      <a:schemeClr val="lt1"/>
+    </dgm:linClrLst>
+    <dgm:effectClrLst/>
+    <dgm:txLinClrLst/>
+    <dgm:txFillClrLst/>
+    <dgm:txEffectClrLst/>
+  </dgm:styleLbl>
+  <dgm:styleLbl name="alignNode1">
+    <dgm:fillClrLst meth="repeat">
+      <a:schemeClr val="accent1"/>
+    </dgm:fillClrLst>
+    <dgm:linClrLst meth="repeat">
+      <a:schemeClr val="accent1"/>
+    </dgm:linClrLst>
+    <dgm:effectClrLst/>
+    <dgm:txLinClrLst/>
+    <dgm:txFillClrLst/>
+    <dgm:txEffectClrLst/>
+  </dgm:styleLbl>
+  <dgm:styleLbl name="node1">
+    <dgm:fillClrLst meth="repeat">
+      <a:schemeClr val="accent1"/>
+    </dgm:fillClrLst>
+    <dgm:linClrLst meth="repeat">
+      <a:schemeClr val="lt1"/>
+    </dgm:linClrLst>
+    <dgm:effectClrLst/>
+    <dgm:txLinClrLst/>
+    <dgm:txFillClrLst/>
+    <dgm:txEffectClrLst/>
+  </dgm:styleLbl>
+  <dgm:styleLbl name="lnNode1">
+    <dgm:fillClrLst meth="repeat">
+      <a:schemeClr val="accent1"/>
+    </dgm:fillClrLst>
+    <dgm:linClrLst meth="repeat">
+      <a:schemeClr val="lt1"/>
+    </dgm:linClrLst>
+    <dgm:effectClrLst/>
+    <dgm:txLinClrLst/>
+    <dgm:txFillClrLst/>
+    <dgm:txEffectClrLst/>
+  </dgm:styleLbl>
+  <dgm:styleLbl name="vennNode1">
+    <dgm:fillClrLst meth="repeat">
+      <a:schemeClr val="accent1">
+        <a:alpha val="50000"/>
+      </a:schemeClr>
+    </dgm:fillClrLst>
+    <dgm:linClrLst meth="repeat">
+      <a:schemeClr val="lt1"/>
+    </dgm:linClrLst>
+    <dgm:effectClrLst/>
+    <dgm:txLinClrLst/>
+    <dgm:txFillClrLst/>
+    <dgm:txEffectClrLst/>
+  </dgm:styleLbl>
+  <dgm:styleLbl name="node2">
+    <dgm:fillClrLst meth="repeat">
+      <a:schemeClr val="accent1"/>
+    </dgm:fillClrLst>
+    <dgm:linClrLst meth="repeat">
+      <a:schemeClr val="lt1"/>
+    </dgm:linClrLst>
+    <dgm:effectClrLst/>
+    <dgm:txLinClrLst/>
+    <dgm:txFillClrLst/>
+    <dgm:txEffectClrLst/>
+  </dgm:styleLbl>
+  <dgm:styleLbl name="node3">
+    <dgm:fillClrLst meth="repeat">
+      <a:schemeClr val="accent1"/>
+    </dgm:fillClrLst>
+    <dgm:linClrLst meth="repeat">
+      <a:schemeClr val="lt1"/>
+    </dgm:linClrLst>
+    <dgm:effectClrLst/>
+    <dgm:txLinClrLst/>
+    <dgm:txFillClrLst/>
+    <dgm:txEffectClrLst/>
+  </dgm:styleLbl>
+  <dgm:styleLbl name="node4">
+    <dgm:fillClrLst meth="repeat">
+      <a:schemeClr val="accent1"/>
+    </dgm:fillClrLst>
+    <dgm:linClrLst meth="repeat">
+      <a:schemeClr val="lt1"/>
+    </dgm:linClrLst>
+    <dgm:effectClrLst/>
+    <dgm:txLinClrLst/>
+    <dgm:txFillClrLst/>
+    <dgm:txEffectClrLst/>
+  </dgm:styleLbl>
+  <dgm:styleLbl name="fgImgPlace1">
+    <dgm:fillClrLst meth="repeat">
+      <a:schemeClr val="accent1">
+        <a:tint val="50000"/>
+      </a:schemeClr>
+    </dgm:fillClrLst>
+    <dgm:linClrLst meth="repeat">
+      <a:schemeClr val="lt1"/>
+    </dgm:linClrLst>
+    <dgm:effectClrLst/>
+    <dgm:txLinClrLst/>
+    <dgm:txFillClrLst meth="repeat">
+      <a:schemeClr val="lt1"/>
+    </dgm:txFillClrLst>
+    <dgm:txEffectClrLst/>
+  </dgm:styleLbl>
+  <dgm:styleLbl name="alignImgPlace1">
+    <dgm:fillClrLst meth="repeat">
+      <a:schemeClr val="accent1">
+        <a:tint val="50000"/>
+      </a:schemeClr>
+    </dgm:fillClrLst>
+    <dgm:linClrLst meth="repeat">
+      <a:schemeClr val="lt1"/>
+    </dgm:linClrLst>
+    <dgm:effectClrLst/>
+    <dgm:txLinClrLst/>
+    <dgm:txFillClrLst meth="repeat">
+      <a:schemeClr val="lt1"/>
+    </dgm:txFillClrLst>
+    <dgm:txEffectClrLst/>
+  </dgm:styleLbl>
+  <dgm:styleLbl name="bgImgPlace1">
+    <dgm:fillClrLst meth="repeat">
+      <a:schemeClr val="accent1">
+        <a:tint val="50000"/>
+      </a:schemeClr>
+    </dgm:fillClrLst>
+    <dgm:linClrLst meth="repeat">
+      <a:schemeClr val="lt1"/>
+    </dgm:linClrLst>
+    <dgm:effectClrLst/>
+    <dgm:txLinClrLst/>
+    <dgm:txFillClrLst meth="repeat">
+      <a:schemeClr val="lt1"/>
+    </dgm:txFillClrLst>
+    <dgm:txEffectClrLst/>
+  </dgm:styleLbl>
+  <dgm:styleLbl name="sibTrans2D1">
+    <dgm:fillClrLst meth="repeat">
+      <a:schemeClr val="accent1">
+        <a:tint val="60000"/>
+      </a:schemeClr>
+    </dgm:fillClrLst>
+    <dgm:linClrLst meth="repeat">
+      <a:schemeClr val="accent1">
+        <a:tint val="60000"/>
+      </a:schemeClr>
+    </dgm:linClrLst>
+    <dgm:effectClrLst/>
+    <dgm:txLinClrLst/>
+    <dgm:txFillClrLst/>
+    <dgm:txEffectClrLst/>
+  </dgm:styleLbl>
+  <dgm:styleLbl name="fgSibTrans2D1">
+    <dgm:fillClrLst meth="repeat">
+      <a:schemeClr val="accent1">
+        <a:tint val="60000"/>
+      </a:schemeClr>
+    </dgm:fillClrLst>
+    <dgm:linClrLst meth="repeat">
+      <a:schemeClr val="accent1">
+        <a:tint val="60000"/>
+      </a:schemeClr>
+    </dgm:linClrLst>
+    <dgm:effectClrLst/>
+    <dgm:txLinClrLst/>
+    <dgm:txFillClrLst/>
+    <dgm:txEffectClrLst/>
+  </dgm:styleLbl>
+  <dgm:styleLbl name="bgSibTrans2D1">
+    <dgm:fillClrLst meth="repeat">
+      <a:schemeClr val="accent1">
+        <a:tint val="60000"/>
+      </a:schemeClr>
+    </dgm:fillClrLst>
+    <dgm:linClrLst meth="repeat">
+      <a:schemeClr val="accent1">
+        <a:tint val="60000"/>
+      </a:schemeClr>
+    </dgm:linClrLst>
+    <dgm:effectClrLst/>
+    <dgm:txLinClrLst/>
+    <dgm:txFillClrLst/>
+    <dgm:txEffectClrLst/>
+  </dgm:styleLbl>
+  <dgm:styleLbl name="sibTrans1D1">
+    <dgm:fillClrLst meth="repeat">
+      <a:schemeClr val="accent1"/>
+    </dgm:fillClrLst>
+    <dgm:linClrLst meth="repeat">
+      <a:schemeClr val="accent1"/>
+    </dgm:linClrLst>
+    <dgm:effectClrLst/>
+    <dgm:txLinClrLst/>
+    <dgm:txFillClrLst meth="repeat">
+      <a:schemeClr val="tx1"/>
+    </dgm:txFillClrLst>
+    <dgm:txEffectClrLst/>
+  </dgm:styleLbl>
+  <dgm:styleLbl name="callout">
+    <dgm:fillClrLst meth="repeat">
+      <a:schemeClr val="accent1"/>
+    </dgm:fillClrLst>
+    <dgm:linClrLst meth="repeat">
+      <a:schemeClr val="accent1">
+        <a:tint val="50000"/>
+      </a:schemeClr>
+    </dgm:linClrLst>
+    <dgm:effectClrLst/>
+    <dgm:txLinClrLst/>
+    <dgm:txFillClrLst meth="repeat">
+      <a:schemeClr val="tx1"/>
+    </dgm:txFillClrLst>
+    <dgm:txEffectClrLst/>
+  </dgm:styleLbl>
+  <dgm:styleLbl name="asst0">
+    <dgm:fillClrLst meth="repeat">
+      <a:schemeClr val="accent1"/>
+    </dgm:fillClrLst>
+    <dgm:linClrLst meth="repeat">
+      <a:schemeClr val="lt1"/>
+    </dgm:linClrLst>
+    <dgm:effectClrLst/>
+    <dgm:txLinClrLst/>
+    <dgm:txFillClrLst/>
+    <dgm:txEffectClrLst/>
+  </dgm:styleLbl>
+  <dgm:styleLbl name="asst1">
+    <dgm:fillClrLst meth="repeat">
+      <a:schemeClr val="accent1"/>
+    </dgm:fillClrLst>
+    <dgm:linClrLst meth="repeat">
+      <a:schemeClr val="lt1"/>
+    </dgm:linClrLst>
+    <dgm:effectClrLst/>
+    <dgm:txLinClrLst/>
+    <dgm:txFillClrLst/>
+    <dgm:txEffectClrLst/>
+  </dgm:styleLbl>
+  <dgm:styleLbl name="asst2">
+    <dgm:fillClrLst meth="repeat">
+      <a:schemeClr val="accent1"/>
+    </dgm:fillClrLst>
+    <dgm:linClrLst meth="repeat">
+      <a:schemeClr val="lt1"/>
+    </dgm:linClrLst>
+    <dgm:effectClrLst/>
+    <dgm:txLinClrLst/>
+    <dgm:txFillClrLst/>
+    <dgm:txEffectClrLst/>
+  </dgm:styleLbl>
+  <dgm:styleLbl name="asst3">
+    <dgm:fillClrLst meth="repeat">
+      <a:schemeClr val="accent1"/>
+    </dgm:fillClrLst>
+    <dgm:linClrLst meth="repeat">
+      <a:schemeClr val="lt1"/>
+    </dgm:linClrLst>
+    <dgm:effectClrLst/>
+    <dgm:txLinClrLst/>
+    <dgm:txFillClrLst/>
+    <dgm:txEffectClrLst/>
+  </dgm:styleLbl>
+  <dgm:styleLbl name="asst4">
+    <dgm:fillClrLst meth="repeat">
+      <a:schemeClr val="accent1"/>
+    </dgm:fillClrLst>
+    <dgm:linClrLst meth="repeat">
+      <a:schemeClr val="lt1"/>
+    </dgm:linClrLst>
+    <dgm:effectClrLst/>
+    <dgm:txLinClrLst/>
+    <dgm:txFillClrLst/>
+    <dgm:txEffectClrLst/>
+  </dgm:styleLbl>
+  <dgm:styleLbl name="parChTrans2D1">
+    <dgm:fillClrLst meth="repeat">
+      <a:schemeClr val="accent1">
+        <a:tint val="60000"/>
+      </a:schemeClr>
+    </dgm:fillClrLst>
+    <dgm:linClrLst meth="repeat">
+      <a:schemeClr val="accent1">
+        <a:tint val="60000"/>
+      </a:schemeClr>
+    </dgm:linClrLst>
+    <dgm:effectClrLst/>
+    <dgm:txLinClrLst/>
+    <dgm:txFillClrLst meth="repeat">
+      <a:schemeClr val="lt1"/>
+    </dgm:txFillClrLst>
+    <dgm:txEffectClrLst/>
+  </dgm:styleLbl>
+  <dgm:styleLbl name="parChTrans2D2">
+    <dgm:fillClrLst meth="repeat">
+      <a:schemeClr val="accent1"/>
+    </dgm:fillClrLst>
+    <dgm:linClrLst meth="repeat">
+      <a:schemeClr val="accent1"/>
+    </dgm:linClrLst>
+    <dgm:effectClrLst/>
+    <dgm:txLinClrLst/>
+    <dgm:txFillClrLst meth="repeat">
+      <a:schemeClr val="lt1"/>
+    </dgm:txFillClrLst>
+    <dgm:txEffectClrLst/>
+  </dgm:styleLbl>
+  <dgm:styleLbl name="parChTrans2D3">
+    <dgm:fillClrLst meth="repeat">
+      <a:schemeClr val="accent1"/>
+    </dgm:fillClrLst>
+    <dgm:linClrLst meth="repeat">
+      <a:schemeClr val="accent1"/>
+    </dgm:linClrLst>
+    <dgm:effectClrLst/>
+    <dgm:txLinClrLst/>
+    <dgm:txFillClrLst meth="repeat">
+      <a:schemeClr val="lt1"/>
+    </dgm:txFillClrLst>
+    <dgm:txEffectClrLst/>
+  </dgm:styleLbl>
+  <dgm:styleLbl name="parChTrans2D4">
+    <dgm:fillClrLst meth="repeat">
+      <a:schemeClr val="accent1"/>
+    </dgm:fillClrLst>
+    <dgm:linClrLst meth="repeat">
+      <a:schemeClr val="accent1"/>
+    </dgm:linClrLst>
+    <dgm:effectClrLst/>
+    <dgm:txLinClrLst/>
+    <dgm:txFillClrLst meth="repeat">
+      <a:schemeClr val="lt1"/>
+    </dgm:txFillClrLst>
+    <dgm:txEffectClrLst/>
+  </dgm:styleLbl>
+  <dgm:styleLbl name="parChTrans1D1">
+    <dgm:fillClrLst meth="repeat">
+      <a:schemeClr val="accent1"/>
+    </dgm:fillClrLst>
+    <dgm:linClrLst meth="repeat">
+      <a:schemeClr val="accent1">
+        <a:shade val="60000"/>
+      </a:schemeClr>
+    </dgm:linClrLst>
+    <dgm:effectClrLst/>
+    <dgm:txLinClrLst/>
+    <dgm:txFillClrLst meth="repeat">
+      <a:schemeClr val="tx1"/>
+    </dgm:txFillClrLst>
+    <dgm:txEffectClrLst/>
+  </dgm:styleLbl>
+  <dgm:styleLbl name="parChTrans1D2">
+    <dgm:fillClrLst meth="repeat">
+      <a:schemeClr val="accent1"/>
+    </dgm:fillClrLst>
+    <dgm:linClrLst meth="repeat">
+      <a:schemeClr val="accent1">
+        <a:shade val="60000"/>
+      </a:schemeClr>
+    </dgm:linClrLst>
+    <dgm:effectClrLst/>
+    <dgm:txLinClrLst/>
+    <dgm:txFillClrLst meth="repeat">
+      <a:schemeClr val="tx1"/>
+    </dgm:txFillClrLst>
+    <dgm:txEffectClrLst/>
+  </dgm:styleLbl>
+  <dgm:styleLbl name="parChTrans1D3">
+    <dgm:fillClrLst meth="repeat">
+      <a:schemeClr val="accent1"/>
+    </dgm:fillClrLst>
+    <dgm:linClrLst meth="repeat">
+      <a:schemeClr val="accent1">
+        <a:shade val="80000"/>
+      </a:schemeClr>
+    </dgm:linClrLst>
+    <dgm:effectClrLst/>
+    <dgm:txLinClrLst/>
+    <dgm:txFillClrLst meth="repeat">
+      <a:schemeClr val="tx1"/>
+    </dgm:txFillClrLst>
+    <dgm:txEffectClrLst/>
+  </dgm:styleLbl>
+  <dgm:styleLbl name="parChTrans1D4">
+    <dgm:fillClrLst meth="repeat">
+      <a:schemeClr val="accent1"/>
+    </dgm:fillClrLst>
+    <dgm:linClrLst meth="repeat">
+      <a:schemeClr val="accent1">
+        <a:shade val="80000"/>
+      </a:schemeClr>
+    </dgm:linClrLst>
+    <dgm:effectClrLst/>
+    <dgm:txLinClrLst/>
+    <dgm:txFillClrLst meth="repeat">
+      <a:schemeClr val="tx1"/>
+    </dgm:txFillClrLst>
+    <dgm:txEffectClrLst/>
+  </dgm:styleLbl>
+  <dgm:styleLbl name="fgAcc1">
+    <dgm:fillClrLst meth="repeat">
+      <a:schemeClr val="lt1">
+        <a:alpha val="90000"/>
+      </a:schemeClr>
+    </dgm:fillClrLst>
+    <dgm:linClrLst meth="repeat">
+      <a:schemeClr val="accent1"/>
+    </dgm:linClrLst>
+    <dgm:effectClrLst/>
+    <dgm:txLinClrLst/>
+    <dgm:txFillClrLst meth="repeat">
+      <a:schemeClr val="dk1"/>
+    </dgm:txFillClrLst>
+    <dgm:txEffectClrLst/>
+  </dgm:styleLbl>
+  <dgm:styleLbl name="conFgAcc1">
+    <dgm:fillClrLst meth="repeat">
+      <a:schemeClr val="lt1">
+        <a:alpha val="90000"/>
+      </a:schemeClr>
+    </dgm:fillClrLst>
+    <dgm:linClrLst meth="repeat">
+      <a:schemeClr val="accent1"/>
+    </dgm:linClrLst>
+    <dgm:effectClrLst/>
+    <dgm:txLinClrLst/>
+    <dgm:txFillClrLst meth="repeat">
+      <a:schemeClr val="dk1"/>
+    </dgm:txFillClrLst>
+    <dgm:txEffectClrLst/>
+  </dgm:styleLbl>
+  <dgm:styleLbl name="alignAcc1">
+    <dgm:fillClrLst meth="repeat">
+      <a:schemeClr val="lt1">
+        <a:alpha val="90000"/>
+      </a:schemeClr>
+    </dgm:fillClrLst>
+    <dgm:linClrLst meth="repeat">
+      <a:schemeClr val="accent1"/>
+    </dgm:linClrLst>
+    <dgm:effectClrLst/>
+    <dgm:txLinClrLst/>
+    <dgm:txFillClrLst meth="repeat">
+      <a:schemeClr val="dk1"/>
+    </dgm:txFillClrLst>
+    <dgm:txEffectClrLst/>
+  </dgm:styleLbl>
+  <dgm:styleLbl name="trAlignAcc1">
+    <dgm:fillClrLst meth="repeat">
+      <a:schemeClr val="lt1">
+        <a:alpha val="40000"/>
+      </a:schemeClr>
+    </dgm:fillClrLst>
+    <dgm:linClrLst meth="repeat">
+      <a:schemeClr val="accent1"/>
+    </dgm:linClrLst>
+    <dgm:effectClrLst/>
+    <dgm:txLinClrLst/>
+    <dgm:txFillClrLst meth="repeat">
+      <a:schemeClr val="dk1"/>
+    </dgm:txFillClrLst>
+    <dgm:txEffectClrLst/>
+  </dgm:styleLbl>
+  <dgm:styleLbl name="bgAcc1">
+    <dgm:fillClrLst meth="repeat">
+      <a:schemeClr val="lt1">
+        <a:alpha val="90000"/>
+      </a:schemeClr>
+    </dgm:fillClrLst>
+    <dgm:linClrLst meth="repeat">
+      <a:schemeClr val="accent1"/>
+    </dgm:linClrLst>
+    <dgm:effectClrLst/>
+    <dgm:txLinClrLst/>
+    <dgm:txFillClrLst meth="repeat">
+      <a:schemeClr val="dk1"/>
+    </dgm:txFillClrLst>
+    <dgm:txEffectClrLst/>
+  </dgm:styleLbl>
+  <dgm:styleLbl name="solidFgAcc1">
+    <dgm:fillClrLst meth="repeat">
+      <a:schemeClr val="lt1"/>
+    </dgm:fillClrLst>
+    <dgm:linClrLst meth="repeat">
+      <a:schemeClr val="accent1"/>
+    </dgm:linClrLst>
+    <dgm:effectClrLst/>
+    <dgm:txLinClrLst/>
+    <dgm:txFillClrLst meth="repeat">
+      <a:schemeClr val="dk1"/>
+    </dgm:txFillClrLst>
+    <dgm:txEffectClrLst/>
+  </dgm:styleLbl>
+  <dgm:styleLbl name="solidAlignAcc1">
+    <dgm:fillClrLst meth="repeat">
+      <a:schemeClr val="lt1"/>
+    </dgm:fillClrLst>
+    <dgm:linClrLst meth="repeat">
+      <a:schemeClr val="accent1"/>
+    </dgm:linClrLst>
+    <dgm:effectClrLst/>
+    <dgm:txLinClrLst/>
+    <dgm:txFillClrLst meth="repeat">
+      <a:schemeClr val="dk1"/>
+    </dgm:txFillClrLst>
+    <dgm:txEffectClrLst/>
+  </dgm:styleLbl>
+  <dgm:styleLbl name="solidBgAcc1">
+    <dgm:fillClrLst meth="repeat">
+      <a:schemeClr val="lt1"/>
+    </dgm:fillClrLst>
+    <dgm:linClrLst meth="repeat">
+      <a:schemeClr val="accent1"/>
+    </dgm:linClrLst>
+    <dgm:effectClrLst/>
+    <dgm:txLinClrLst/>
+    <dgm:txFillClrLst meth="repeat">
+      <a:schemeClr val="dk1"/>
+    </dgm:txFillClrLst>
+    <dgm:txEffectClrLst/>
+  </dgm:styleLbl>
+  <dgm:styleLbl name="fgAccFollowNode1">
+    <dgm:fillClrLst meth="repeat">
+      <a:schemeClr val="accent1">
+        <a:alpha val="90000"/>
+        <a:tint val="40000"/>
+      </a:schemeClr>
+    </dgm:fillClrLst>
+    <dgm:linClrLst meth="repeat">
+      <a:schemeClr val="accent1">
+        <a:alpha val="90000"/>
+        <a:tint val="40000"/>
+      </a:schemeClr>
+    </dgm:linClrLst>
+    <dgm:effectClrLst/>
+    <dgm:txLinClrLst/>
+    <dgm:txFillClrLst meth="repeat">
+      <a:schemeClr val="dk1"/>
+    </dgm:txFillClrLst>
+    <dgm:txEffectClrLst/>
+  </dgm:styleLbl>
+  <dgm:styleLbl name="alignAccFollowNode1">
+    <dgm:fillClrLst meth="repeat">
+      <a:schemeClr val="accent1">
+        <a:alpha val="90000"/>
+        <a:tint val="40000"/>
+      </a:schemeClr>
+    </dgm:fillClrLst>
+    <dgm:linClrLst meth="repeat">
+      <a:schemeClr val="accent1">
+        <a:alpha val="90000"/>
+        <a:tint val="40000"/>
+      </a:schemeClr>
+    </dgm:linClrLst>
+    <dgm:effectClrLst/>
+    <dgm:txLinClrLst/>
+    <dgm:txFillClrLst meth="repeat">
+      <a:schemeClr val="dk1"/>
+    </dgm:txFillClrLst>
+    <dgm:txEffectClrLst/>
+  </dgm:styleLbl>
+  <dgm:styleLbl name="bgAccFollowNode1">
+    <dgm:fillClrLst meth="repeat">
+      <a:schemeClr val="accent1">
+        <a:alpha val="90000"/>
+        <a:tint val="40000"/>
+      </a:schemeClr>
+    </dgm:fillClrLst>
+    <dgm:linClrLst meth="repeat">
+      <a:schemeClr val="accent1">
+        <a:alpha val="90000"/>
+        <a:tint val="40000"/>
+      </a:schemeClr>
+    </dgm:linClrLst>
+    <dgm:effectClrLst/>
+    <dgm:txLinClrLst/>
+    <dgm:txFillClrLst meth="repeat">
+      <a:schemeClr val="dk1"/>
+    </dgm:txFillClrLst>
+    <dgm:txEffectClrLst/>
+  </dgm:styleLbl>
+  <dgm:styleLbl name="fgAcc0">
+    <dgm:fillClrLst meth="repeat">
+      <a:schemeClr val="lt1">
+        <a:alpha val="90000"/>
+      </a:schemeClr>
+    </dgm:fillClrLst>
+    <dgm:linClrLst meth="repeat">
+      <a:schemeClr val="accent1"/>
+    </dgm:linClrLst>
+    <dgm:effectClrLst/>
+    <dgm:txLinClrLst/>
+    <dgm:txFillClrLst meth="repeat">
+      <a:schemeClr val="dk1"/>
+    </dgm:txFillClrLst>
+    <dgm:txEffectClrLst/>
+  </dgm:styleLbl>
+  <dgm:styleLbl name="fgAcc2">
+    <dgm:fillClrLst meth="repeat">
+      <a:schemeClr val="lt1">
+        <a:alpha val="90000"/>
+      </a:schemeClr>
+    </dgm:fillClrLst>
+    <dgm:linClrLst meth="repeat">
+      <a:schemeClr val="accent1"/>
+    </dgm:linClrLst>
+    <dgm:effectClrLst/>
+    <dgm:txLinClrLst/>
+    <dgm:txFillClrLst meth="repeat">
+      <a:schemeClr val="dk1"/>
+    </dgm:txFillClrLst>
+    <dgm:txEffectClrLst/>
+  </dgm:styleLbl>
+  <dgm:styleLbl name="fgAcc3">
+    <dgm:fillClrLst meth="repeat">
+      <a:schemeClr val="lt1">
+        <a:alpha val="90000"/>
+      </a:schemeClr>
+    </dgm:fillClrLst>
+    <dgm:linClrLst meth="repeat">
+      <a:schemeClr val="accent1"/>
+    </dgm:linClrLst>
+    <dgm:effectClrLst/>
+    <dgm:txLinClrLst/>
+    <dgm:txFillClrLst meth="repeat">
+      <a:schemeClr val="dk1"/>
+    </dgm:txFillClrLst>
+    <dgm:txEffectClrLst/>
+  </dgm:styleLbl>
+  <dgm:styleLbl name="fgAcc4">
+    <dgm:fillClrLst meth="repeat">
+      <a:schemeClr val="lt1">
+        <a:alpha val="90000"/>
+      </a:schemeClr>
+    </dgm:fillClrLst>
+    <dgm:linClrLst meth="repeat">
+      <a:schemeClr val="accent1"/>
+    </dgm:linClrLst>
+    <dgm:effectClrLst/>
+    <dgm:txLinClrLst/>
+    <dgm:txFillClrLst meth="repeat">
+      <a:schemeClr val="dk1"/>
+    </dgm:txFillClrLst>
+    <dgm:txEffectClrLst/>
+  </dgm:styleLbl>
+  <dgm:styleLbl name="bgShp">
+    <dgm:fillClrLst meth="repeat">
+      <a:schemeClr val="accent1">
+        <a:tint val="40000"/>
+      </a:schemeClr>
+    </dgm:fillClrLst>
+    <dgm:linClrLst meth="repeat">
+      <a:schemeClr val="accent1"/>
+    </dgm:linClrLst>
+    <dgm:effectClrLst/>
+    <dgm:txLinClrLst/>
+    <dgm:txFillClrLst meth="repeat">
+      <a:schemeClr val="dk1"/>
+    </dgm:txFillClrLst>
+    <dgm:txEffectClrLst/>
+  </dgm:styleLbl>
+  <dgm:styleLbl name="dkBgShp">
+    <dgm:fillClrLst meth="repeat">
+      <a:schemeClr val="accent1">
+        <a:shade val="80000"/>
+      </a:schemeClr>
+    </dgm:fillClrLst>
+    <dgm:linClrLst meth="repeat">
+      <a:schemeClr val="accent1"/>
+    </dgm:linClrLst>
+    <dgm:effectClrLst/>
+    <dgm:txLinClrLst/>
+    <dgm:txFillClrLst meth="repeat">
+      <a:schemeClr val="lt1"/>
+    </dgm:txFillClrLst>
+    <dgm:txEffectClrLst/>
+  </dgm:styleLbl>
+  <dgm:styleLbl name="trBgShp">
+    <dgm:fillClrLst meth="repeat">
+      <a:schemeClr val="accent1">
+        <a:tint val="50000"/>
+        <a:alpha val="40000"/>
+      </a:schemeClr>
+    </dgm:fillClrLst>
+    <dgm:linClrLst meth="repeat">
+      <a:schemeClr val="accent1"/>
+    </dgm:linClrLst>
+    <dgm:effectClrLst/>
+    <dgm:txLinClrLst/>
+    <dgm:txFillClrLst meth="repeat">
+      <a:schemeClr val="lt1"/>
+    </dgm:txFillClrLst>
+    <dgm:txEffectClrLst/>
+  </dgm:styleLbl>
+  <dgm:styleLbl name="fgShp">
+    <dgm:fillClrLst meth="repeat">
+      <a:schemeClr val="accent1">
+        <a:tint val="60000"/>
+      </a:schemeClr>
+    </dgm:fillClrLst>
+    <dgm:linClrLst meth="repeat">
+      <a:schemeClr val="lt1"/>
+    </dgm:linClrLst>
+    <dgm:effectClrLst/>
+    <dgm:txLinClrLst/>
+    <dgm:txFillClrLst meth="repeat">
+      <a:schemeClr val="dk1"/>
+    </dgm:txFillClrLst>
+    <dgm:txEffectClrLst/>
+  </dgm:styleLbl>
+  <dgm:styleLbl name="revTx">
+    <dgm:fillClrLst meth="repeat">
+      <a:schemeClr val="lt1">
+        <a:alpha val="0"/>
+      </a:schemeClr>
+    </dgm:fillClrLst>
+    <dgm:linClrLst meth="repeat">
+      <a:schemeClr val="dk1">
+        <a:alpha val="0"/>
+      </a:schemeClr>
+    </dgm:linClrLst>
+    <dgm:effectClrLst/>
+    <dgm:txLinClrLst/>
+    <dgm:txFillClrLst meth="repeat">
+      <a:schemeClr val="tx1"/>
+    </dgm:txFillClrLst>
+    <dgm:txEffectClrLst/>
+  </dgm:styleLbl>
+</dgm:colorsDef>
+</file>
+
 <file path=ppt/diagrams/data1.xml><?xml version="1.0" encoding="utf-8"?>
+<dgm:dataModel xmlns:dgm="http://schemas.openxmlformats.org/drawingml/2006/diagram" xmlns:a="http://schemas.openxmlformats.org/drawingml/2006/main">
+  <dgm:ptLst>
+    <dgm:pt modelId="{868438AF-5AD3-4A27-BAF8-4E881B5A971E}" type="doc">
+      <dgm:prSet loTypeId="urn:microsoft.com/office/officeart/2018/2/layout/IconLabelList" loCatId="icon" qsTypeId="urn:microsoft.com/office/officeart/2005/8/quickstyle/simple1" qsCatId="simple" csTypeId="urn:microsoft.com/office/officeart/2005/8/colors/accent1_2" csCatId="accent1" phldr="1"/>
+      <dgm:spPr/>
+      <dgm:t>
+        <a:bodyPr/>
+        <a:lstStyle/>
+        <a:p>
+          <a:endParaRPr lang="en-US"/>
+        </a:p>
+      </dgm:t>
+    </dgm:pt>
+    <dgm:pt modelId="{1EBA1F85-CF5D-452A-9249-B3E6D0485EB8}">
+      <dgm:prSet custT="1"/>
+      <dgm:spPr/>
+      <dgm:t>
+        <a:bodyPr/>
+        <a:lstStyle/>
+        <a:p>
+          <a:pPr>
+            <a:lnSpc>
+              <a:spcPct val="100000"/>
+            </a:lnSpc>
+          </a:pPr>
+          <a:r>
+            <a:rPr lang="en-US" sz="2000" dirty="0"/>
+            <a:t>Purpose</a:t>
+          </a:r>
+        </a:p>
+      </dgm:t>
+    </dgm:pt>
+    <dgm:pt modelId="{4B5614E0-0020-475F-B8C7-26E9A2CAE7F8}" type="parTrans" cxnId="{83AA3A13-233C-4025-B459-6413EB062D2C}">
+      <dgm:prSet/>
+      <dgm:spPr/>
+      <dgm:t>
+        <a:bodyPr/>
+        <a:lstStyle/>
+        <a:p>
+          <a:endParaRPr lang="en-US"/>
+        </a:p>
+      </dgm:t>
+    </dgm:pt>
+    <dgm:pt modelId="{87B672E6-99B0-4C09-BF55-DC1FB72EFF12}" type="sibTrans" cxnId="{83AA3A13-233C-4025-B459-6413EB062D2C}">
+      <dgm:prSet/>
+      <dgm:spPr/>
+      <dgm:t>
+        <a:bodyPr/>
+        <a:lstStyle/>
+        <a:p>
+          <a:endParaRPr lang="en-US"/>
+        </a:p>
+      </dgm:t>
+    </dgm:pt>
+    <dgm:pt modelId="{3C26D8BC-DE61-4E09-9B6D-2FF3CE0D93ED}">
+      <dgm:prSet custT="1"/>
+      <dgm:spPr/>
+      <dgm:t>
+        <a:bodyPr/>
+        <a:lstStyle/>
+        <a:p>
+          <a:pPr>
+            <a:lnSpc>
+              <a:spcPct val="100000"/>
+            </a:lnSpc>
+          </a:pPr>
+          <a:r>
+            <a:rPr lang="en-US" sz="2000" dirty="0"/>
+            <a:t>Smart questions</a:t>
+          </a:r>
+        </a:p>
+      </dgm:t>
+    </dgm:pt>
+    <dgm:pt modelId="{4454ACBB-38E7-4FD5-A952-D68FE5445585}" type="parTrans" cxnId="{BF473537-6A54-4FD0-96AD-9A684A534EB7}">
+      <dgm:prSet/>
+      <dgm:spPr/>
+      <dgm:t>
+        <a:bodyPr/>
+        <a:lstStyle/>
+        <a:p>
+          <a:endParaRPr lang="en-US"/>
+        </a:p>
+      </dgm:t>
+    </dgm:pt>
+    <dgm:pt modelId="{711220F7-0C3A-4533-8E9A-02A488D81EFA}" type="sibTrans" cxnId="{BF473537-6A54-4FD0-96AD-9A684A534EB7}">
+      <dgm:prSet/>
+      <dgm:spPr/>
+      <dgm:t>
+        <a:bodyPr/>
+        <a:lstStyle/>
+        <a:p>
+          <a:endParaRPr lang="en-US"/>
+        </a:p>
+      </dgm:t>
+    </dgm:pt>
+    <dgm:pt modelId="{536CB657-FF19-431C-8D58-97B935092252}">
+      <dgm:prSet custT="1"/>
+      <dgm:spPr/>
+      <dgm:t>
+        <a:bodyPr/>
+        <a:lstStyle/>
+        <a:p>
+          <a:pPr>
+            <a:lnSpc>
+              <a:spcPct val="100000"/>
+            </a:lnSpc>
+          </a:pPr>
+          <a:r>
+            <a:rPr lang="en-US" sz="2000" dirty="0"/>
+            <a:t>Data Overview</a:t>
+          </a:r>
+        </a:p>
+      </dgm:t>
+    </dgm:pt>
+    <dgm:pt modelId="{418E4476-C2CF-4BDD-9D47-E10D54C1E6EE}" type="parTrans" cxnId="{1102B9B7-00EB-4E59-B6BB-9B96E0B1D785}">
+      <dgm:prSet/>
+      <dgm:spPr/>
+      <dgm:t>
+        <a:bodyPr/>
+        <a:lstStyle/>
+        <a:p>
+          <a:endParaRPr lang="en-US"/>
+        </a:p>
+      </dgm:t>
+    </dgm:pt>
+    <dgm:pt modelId="{4176EAA1-F695-46BA-B004-3C4AB3D16B1B}" type="sibTrans" cxnId="{1102B9B7-00EB-4E59-B6BB-9B96E0B1D785}">
+      <dgm:prSet/>
+      <dgm:spPr/>
+      <dgm:t>
+        <a:bodyPr/>
+        <a:lstStyle/>
+        <a:p>
+          <a:endParaRPr lang="en-US"/>
+        </a:p>
+      </dgm:t>
+    </dgm:pt>
+    <dgm:pt modelId="{8C2891CB-5ECF-42E6-8F77-E0CD052B6C18}">
+      <dgm:prSet custT="1"/>
+      <dgm:spPr/>
+      <dgm:t>
+        <a:bodyPr/>
+        <a:lstStyle/>
+        <a:p>
+          <a:pPr>
+            <a:lnSpc>
+              <a:spcPct val="100000"/>
+            </a:lnSpc>
+          </a:pPr>
+          <a:r>
+            <a:rPr lang="en-US" sz="2000" dirty="0"/>
+            <a:t>Exploratory Data Analysis</a:t>
+          </a:r>
+        </a:p>
+      </dgm:t>
+    </dgm:pt>
+    <dgm:pt modelId="{894308BA-E5B1-4ED7-97D3-72D80BF2AB36}" type="parTrans" cxnId="{571675C8-73DA-4F4B-AF5C-6CD04D074C74}">
+      <dgm:prSet/>
+      <dgm:spPr/>
+      <dgm:t>
+        <a:bodyPr/>
+        <a:lstStyle/>
+        <a:p>
+          <a:endParaRPr lang="en-US"/>
+        </a:p>
+      </dgm:t>
+    </dgm:pt>
+    <dgm:pt modelId="{E9900C52-616C-4128-AC1E-02E693A8DB07}" type="sibTrans" cxnId="{571675C8-73DA-4F4B-AF5C-6CD04D074C74}">
+      <dgm:prSet/>
+      <dgm:spPr/>
+      <dgm:t>
+        <a:bodyPr/>
+        <a:lstStyle/>
+        <a:p>
+          <a:endParaRPr lang="en-US"/>
+        </a:p>
+      </dgm:t>
+    </dgm:pt>
+    <dgm:pt modelId="{AAD2FDF2-C891-431B-BA60-144931B438A9}">
+      <dgm:prSet custT="1"/>
+      <dgm:spPr/>
+      <dgm:t>
+        <a:bodyPr/>
+        <a:lstStyle/>
+        <a:p>
+          <a:pPr>
+            <a:lnSpc>
+              <a:spcPct val="100000"/>
+            </a:lnSpc>
+          </a:pPr>
+          <a:r>
+            <a:rPr lang="en-US" sz="2000" dirty="0"/>
+            <a:t>Addressing SMART Questions Using Data Visualizations and Predictive Models</a:t>
+          </a:r>
+        </a:p>
+      </dgm:t>
+    </dgm:pt>
+    <dgm:pt modelId="{5B7C04B3-AC16-4DE7-8EBA-A0DBF129907D}" type="parTrans" cxnId="{B76BB4E6-19A1-4536-987B-1C46CBBA7A2A}">
+      <dgm:prSet/>
+      <dgm:spPr/>
+      <dgm:t>
+        <a:bodyPr/>
+        <a:lstStyle/>
+        <a:p>
+          <a:endParaRPr lang="en-US"/>
+        </a:p>
+      </dgm:t>
+    </dgm:pt>
+    <dgm:pt modelId="{B8C51F46-E470-46A4-B94F-8F96D1E1D034}" type="sibTrans" cxnId="{B76BB4E6-19A1-4536-987B-1C46CBBA7A2A}">
+      <dgm:prSet/>
+      <dgm:spPr/>
+      <dgm:t>
+        <a:bodyPr/>
+        <a:lstStyle/>
+        <a:p>
+          <a:endParaRPr lang="en-US"/>
+        </a:p>
+      </dgm:t>
+    </dgm:pt>
+    <dgm:pt modelId="{57EFC569-1FF3-4503-8611-D32D1C2478EF}">
+      <dgm:prSet custT="1"/>
+      <dgm:spPr/>
+      <dgm:t>
+        <a:bodyPr/>
+        <a:lstStyle/>
+        <a:p>
+          <a:pPr>
+            <a:lnSpc>
+              <a:spcPct val="100000"/>
+            </a:lnSpc>
+          </a:pPr>
+          <a:r>
+            <a:rPr lang="en-US" sz="2000" dirty="0"/>
+            <a:t>Conclusion</a:t>
+          </a:r>
+        </a:p>
+      </dgm:t>
+    </dgm:pt>
+    <dgm:pt modelId="{D1A686A2-7294-40DD-868B-B13CFAFAF0D8}" type="parTrans" cxnId="{CCC95410-9202-4B54-95C9-A005C47F6FED}">
+      <dgm:prSet/>
+      <dgm:spPr/>
+      <dgm:t>
+        <a:bodyPr/>
+        <a:lstStyle/>
+        <a:p>
+          <a:endParaRPr lang="en-US"/>
+        </a:p>
+      </dgm:t>
+    </dgm:pt>
+    <dgm:pt modelId="{C161F342-C298-41AC-951D-D8C443CD2EA3}" type="sibTrans" cxnId="{CCC95410-9202-4B54-95C9-A005C47F6FED}">
+      <dgm:prSet/>
+      <dgm:spPr/>
+      <dgm:t>
+        <a:bodyPr/>
+        <a:lstStyle/>
+        <a:p>
+          <a:endParaRPr lang="en-US"/>
+        </a:p>
+      </dgm:t>
+    </dgm:pt>
+    <dgm:pt modelId="{49C7E4B2-6A03-4A46-B394-F4F98DF737C2}" type="pres">
+      <dgm:prSet presAssocID="{868438AF-5AD3-4A27-BAF8-4E881B5A971E}" presName="root" presStyleCnt="0">
+        <dgm:presLayoutVars>
+          <dgm:dir/>
+          <dgm:resizeHandles val="exact"/>
+        </dgm:presLayoutVars>
+      </dgm:prSet>
+      <dgm:spPr/>
+    </dgm:pt>
+    <dgm:pt modelId="{88FD013B-219E-4068-8CAA-D403E2B1F4FA}" type="pres">
+      <dgm:prSet presAssocID="{1EBA1F85-CF5D-452A-9249-B3E6D0485EB8}" presName="compNode" presStyleCnt="0"/>
+      <dgm:spPr/>
+    </dgm:pt>
+    <dgm:pt modelId="{214987A7-9A8A-44CD-BBD2-BD64D66B3DBF}" type="pres">
+      <dgm:prSet presAssocID="{1EBA1F85-CF5D-452A-9249-B3E6D0485EB8}" presName="iconRect" presStyleLbl="node1" presStyleIdx="0" presStyleCnt="6"/>
+      <dgm:spPr>
+        <a:blipFill>
+          <a:blip xmlns:r="http://schemas.openxmlformats.org/officeDocument/2006/relationships" r:embed="rId1">
+            <a:extLst>
+              <a:ext uri="{28A0092B-C50C-407E-A947-70E740481C1C}">
+                <a14:useLocalDpi xmlns:a14="http://schemas.microsoft.com/office/drawing/2010/main" val="0"/>
+              </a:ext>
+              <a:ext uri="{96DAC541-7B7A-43D3-8B79-37D633B846F1}">
+                <asvg:svgBlip xmlns:asvg="http://schemas.microsoft.com/office/drawing/2016/SVG/main" r:embed="rId2"/>
+              </a:ext>
+            </a:extLst>
+          </a:blip>
+          <a:stretch>
+            <a:fillRect/>
+          </a:stretch>
+        </a:blipFill>
+      </dgm:spPr>
+      <dgm:extLst>
+        <a:ext uri="{E40237B7-FDA0-4F09-8148-C483321AD2D9}">
+          <dgm14:cNvPr xmlns:dgm14="http://schemas.microsoft.com/office/drawing/2010/diagram" id="0" name="" descr="Bullseye"/>
+        </a:ext>
+      </dgm:extLst>
+    </dgm:pt>
+    <dgm:pt modelId="{F00028E6-ABE5-471F-AA0D-929E68F3B338}" type="pres">
+      <dgm:prSet presAssocID="{1EBA1F85-CF5D-452A-9249-B3E6D0485EB8}" presName="spaceRect" presStyleCnt="0"/>
+      <dgm:spPr/>
+    </dgm:pt>
+    <dgm:pt modelId="{D5A8ED27-37A5-4102-8E3D-ABEA5C7249ED}" type="pres">
+      <dgm:prSet presAssocID="{1EBA1F85-CF5D-452A-9249-B3E6D0485EB8}" presName="textRect" presStyleLbl="revTx" presStyleIdx="0" presStyleCnt="6">
+        <dgm:presLayoutVars>
+          <dgm:chMax val="1"/>
+          <dgm:chPref val="1"/>
+        </dgm:presLayoutVars>
+      </dgm:prSet>
+      <dgm:spPr/>
+    </dgm:pt>
+    <dgm:pt modelId="{B1C7B558-B034-47D9-9D93-09969A7CC642}" type="pres">
+      <dgm:prSet presAssocID="{87B672E6-99B0-4C09-BF55-DC1FB72EFF12}" presName="sibTrans" presStyleCnt="0"/>
+      <dgm:spPr/>
+    </dgm:pt>
+    <dgm:pt modelId="{4F315DDC-5B0B-41F5-B52C-054EC644B7E4}" type="pres">
+      <dgm:prSet presAssocID="{3C26D8BC-DE61-4E09-9B6D-2FF3CE0D93ED}" presName="compNode" presStyleCnt="0"/>
+      <dgm:spPr/>
+    </dgm:pt>
+    <dgm:pt modelId="{90C7567D-2423-4C9D-984F-BAF4029DD7A6}" type="pres">
+      <dgm:prSet presAssocID="{3C26D8BC-DE61-4E09-9B6D-2FF3CE0D93ED}" presName="iconRect" presStyleLbl="node1" presStyleIdx="1" presStyleCnt="6"/>
+      <dgm:spPr>
+        <a:blipFill>
+          <a:blip xmlns:r="http://schemas.openxmlformats.org/officeDocument/2006/relationships" r:embed="rId3">
+            <a:extLst>
+              <a:ext uri="{28A0092B-C50C-407E-A947-70E740481C1C}">
+                <a14:useLocalDpi xmlns:a14="http://schemas.microsoft.com/office/drawing/2010/main" val="0"/>
+              </a:ext>
+              <a:ext uri="{96DAC541-7B7A-43D3-8B79-37D633B846F1}">
+                <asvg:svgBlip xmlns:asvg="http://schemas.microsoft.com/office/drawing/2016/SVG/main" r:embed="rId4"/>
+              </a:ext>
+            </a:extLst>
+          </a:blip>
+          <a:stretch>
+            <a:fillRect/>
+          </a:stretch>
+        </a:blipFill>
+      </dgm:spPr>
+      <dgm:extLst>
+        <a:ext uri="{E40237B7-FDA0-4F09-8148-C483321AD2D9}">
+          <dgm14:cNvPr xmlns:dgm14="http://schemas.microsoft.com/office/drawing/2010/diagram" id="0" name="" descr="Help"/>
+        </a:ext>
+      </dgm:extLst>
+    </dgm:pt>
+    <dgm:pt modelId="{B01A9B2A-E410-4708-AF82-8177157BCBCD}" type="pres">
+      <dgm:prSet presAssocID="{3C26D8BC-DE61-4E09-9B6D-2FF3CE0D93ED}" presName="spaceRect" presStyleCnt="0"/>
+      <dgm:spPr/>
+    </dgm:pt>
+    <dgm:pt modelId="{0FD69E52-4648-40D3-9E7A-654547B96AA2}" type="pres">
+      <dgm:prSet presAssocID="{3C26D8BC-DE61-4E09-9B6D-2FF3CE0D93ED}" presName="textRect" presStyleLbl="revTx" presStyleIdx="1" presStyleCnt="6">
+        <dgm:presLayoutVars>
+          <dgm:chMax val="1"/>
+          <dgm:chPref val="1"/>
+        </dgm:presLayoutVars>
+      </dgm:prSet>
+      <dgm:spPr/>
+    </dgm:pt>
+    <dgm:pt modelId="{85CFF9A1-C890-4676-B1D9-5884E18456EC}" type="pres">
+      <dgm:prSet presAssocID="{711220F7-0C3A-4533-8E9A-02A488D81EFA}" presName="sibTrans" presStyleCnt="0"/>
+      <dgm:spPr/>
+    </dgm:pt>
+    <dgm:pt modelId="{C9CCE672-5909-487B-BA00-5D035D5AF2C0}" type="pres">
+      <dgm:prSet presAssocID="{536CB657-FF19-431C-8D58-97B935092252}" presName="compNode" presStyleCnt="0"/>
+      <dgm:spPr/>
+    </dgm:pt>
+    <dgm:pt modelId="{20FAFA6A-ABE9-4C02-87E7-183C7B811195}" type="pres">
+      <dgm:prSet presAssocID="{536CB657-FF19-431C-8D58-97B935092252}" presName="iconRect" presStyleLbl="node1" presStyleIdx="2" presStyleCnt="6"/>
+      <dgm:spPr>
+        <a:blipFill>
+          <a:blip xmlns:r="http://schemas.openxmlformats.org/officeDocument/2006/relationships" r:embed="rId5">
+            <a:extLst>
+              <a:ext uri="{28A0092B-C50C-407E-A947-70E740481C1C}">
+                <a14:useLocalDpi xmlns:a14="http://schemas.microsoft.com/office/drawing/2010/main" val="0"/>
+              </a:ext>
+              <a:ext uri="{96DAC541-7B7A-43D3-8B79-37D633B846F1}">
+                <asvg:svgBlip xmlns:asvg="http://schemas.microsoft.com/office/drawing/2016/SVG/main" r:embed="rId6"/>
+              </a:ext>
+            </a:extLst>
+          </a:blip>
+          <a:stretch>
+            <a:fillRect/>
+          </a:stretch>
+        </a:blipFill>
+      </dgm:spPr>
+      <dgm:extLst>
+        <a:ext uri="{E40237B7-FDA0-4F09-8148-C483321AD2D9}">
+          <dgm14:cNvPr xmlns:dgm14="http://schemas.microsoft.com/office/drawing/2010/diagram" id="0" name="" descr="Bar chart"/>
+        </a:ext>
+      </dgm:extLst>
+    </dgm:pt>
+    <dgm:pt modelId="{B0B6535F-D1B3-488A-990C-00990E2F1F5B}" type="pres">
+      <dgm:prSet presAssocID="{536CB657-FF19-431C-8D58-97B935092252}" presName="spaceRect" presStyleCnt="0"/>
+      <dgm:spPr/>
+    </dgm:pt>
+    <dgm:pt modelId="{D8E25651-59AB-46BB-BC3D-D277868C7AC8}" type="pres">
+      <dgm:prSet presAssocID="{536CB657-FF19-431C-8D58-97B935092252}" presName="textRect" presStyleLbl="revTx" presStyleIdx="2" presStyleCnt="6">
+        <dgm:presLayoutVars>
+          <dgm:chMax val="1"/>
+          <dgm:chPref val="1"/>
+        </dgm:presLayoutVars>
+      </dgm:prSet>
+      <dgm:spPr/>
+    </dgm:pt>
+    <dgm:pt modelId="{8FBAFDE7-39E7-49EF-97D3-7AB604E770E5}" type="pres">
+      <dgm:prSet presAssocID="{4176EAA1-F695-46BA-B004-3C4AB3D16B1B}" presName="sibTrans" presStyleCnt="0"/>
+      <dgm:spPr/>
+    </dgm:pt>
+    <dgm:pt modelId="{7175AEC1-878E-4522-AC11-4B621CE89FFF}" type="pres">
+      <dgm:prSet presAssocID="{8C2891CB-5ECF-42E6-8F77-E0CD052B6C18}" presName="compNode" presStyleCnt="0"/>
+      <dgm:spPr/>
+    </dgm:pt>
+    <dgm:pt modelId="{12CDE74B-B861-4117-B331-E816520978F4}" type="pres">
+      <dgm:prSet presAssocID="{8C2891CB-5ECF-42E6-8F77-E0CD052B6C18}" presName="iconRect" presStyleLbl="node1" presStyleIdx="3" presStyleCnt="6"/>
+      <dgm:spPr>
+        <a:blipFill>
+          <a:blip xmlns:r="http://schemas.openxmlformats.org/officeDocument/2006/relationships" r:embed="rId7">
+            <a:extLst>
+              <a:ext uri="{28A0092B-C50C-407E-A947-70E740481C1C}">
+                <a14:useLocalDpi xmlns:a14="http://schemas.microsoft.com/office/drawing/2010/main" val="0"/>
+              </a:ext>
+              <a:ext uri="{96DAC541-7B7A-43D3-8B79-37D633B846F1}">
+                <asvg:svgBlip xmlns:asvg="http://schemas.microsoft.com/office/drawing/2016/SVG/main" r:embed="rId8"/>
+              </a:ext>
+            </a:extLst>
+          </a:blip>
+          <a:stretch>
+            <a:fillRect/>
+          </a:stretch>
+        </a:blipFill>
+      </dgm:spPr>
+      <dgm:extLst>
+        <a:ext uri="{E40237B7-FDA0-4F09-8148-C483321AD2D9}">
+          <dgm14:cNvPr xmlns:dgm14="http://schemas.microsoft.com/office/drawing/2010/diagram" id="0" name="" descr="Magnifying glass"/>
+        </a:ext>
+      </dgm:extLst>
+    </dgm:pt>
+    <dgm:pt modelId="{D30BACF1-BAF9-447F-8FB4-8029A8F81CC5}" type="pres">
+      <dgm:prSet presAssocID="{8C2891CB-5ECF-42E6-8F77-E0CD052B6C18}" presName="spaceRect" presStyleCnt="0"/>
+      <dgm:spPr/>
+    </dgm:pt>
+    <dgm:pt modelId="{30C780A6-618A-48A2-B39E-018ED95E472F}" type="pres">
+      <dgm:prSet presAssocID="{8C2891CB-5ECF-42E6-8F77-E0CD052B6C18}" presName="textRect" presStyleLbl="revTx" presStyleIdx="3" presStyleCnt="6">
+        <dgm:presLayoutVars>
+          <dgm:chMax val="1"/>
+          <dgm:chPref val="1"/>
+        </dgm:presLayoutVars>
+      </dgm:prSet>
+      <dgm:spPr/>
+    </dgm:pt>
+    <dgm:pt modelId="{76DEE438-720D-43A0-9C3E-7488FD848426}" type="pres">
+      <dgm:prSet presAssocID="{E9900C52-616C-4128-AC1E-02E693A8DB07}" presName="sibTrans" presStyleCnt="0"/>
+      <dgm:spPr/>
+    </dgm:pt>
+    <dgm:pt modelId="{12F5E7E3-EA94-40F5-A9B0-090327B39632}" type="pres">
+      <dgm:prSet presAssocID="{AAD2FDF2-C891-431B-BA60-144931B438A9}" presName="compNode" presStyleCnt="0"/>
+      <dgm:spPr/>
+    </dgm:pt>
+    <dgm:pt modelId="{8B2C14C5-A853-4332-92A0-B56CB4054103}" type="pres">
+      <dgm:prSet presAssocID="{AAD2FDF2-C891-431B-BA60-144931B438A9}" presName="iconRect" presStyleLbl="node1" presStyleIdx="4" presStyleCnt="6"/>
+      <dgm:spPr>
+        <a:blipFill>
+          <a:blip xmlns:r="http://schemas.openxmlformats.org/officeDocument/2006/relationships" r:embed="rId9">
+            <a:extLst>
+              <a:ext uri="{28A0092B-C50C-407E-A947-70E740481C1C}">
+                <a14:useLocalDpi xmlns:a14="http://schemas.microsoft.com/office/drawing/2010/main" val="0"/>
+              </a:ext>
+              <a:ext uri="{96DAC541-7B7A-43D3-8B79-37D633B846F1}">
+                <asvg:svgBlip xmlns:asvg="http://schemas.microsoft.com/office/drawing/2016/SVG/main" r:embed="rId10"/>
+              </a:ext>
+            </a:extLst>
+          </a:blip>
+          <a:stretch>
+            <a:fillRect/>
+          </a:stretch>
+        </a:blipFill>
+      </dgm:spPr>
+      <dgm:extLst>
+        <a:ext uri="{E40237B7-FDA0-4F09-8148-C483321AD2D9}">
+          <dgm14:cNvPr xmlns:dgm14="http://schemas.microsoft.com/office/drawing/2010/diagram" id="0" name="" descr="Head with Gears"/>
+        </a:ext>
+      </dgm:extLst>
+    </dgm:pt>
+    <dgm:pt modelId="{0ACF8446-D6B7-4AD2-AD50-B8F238F37A2B}" type="pres">
+      <dgm:prSet presAssocID="{AAD2FDF2-C891-431B-BA60-144931B438A9}" presName="spaceRect" presStyleCnt="0"/>
+      <dgm:spPr/>
+    </dgm:pt>
+    <dgm:pt modelId="{9D8D4128-958F-4D65-A1AA-178776E4FE73}" type="pres">
+      <dgm:prSet presAssocID="{AAD2FDF2-C891-431B-BA60-144931B438A9}" presName="textRect" presStyleLbl="revTx" presStyleIdx="4" presStyleCnt="6">
+        <dgm:presLayoutVars>
+          <dgm:chMax val="1"/>
+          <dgm:chPref val="1"/>
+        </dgm:presLayoutVars>
+      </dgm:prSet>
+      <dgm:spPr/>
+    </dgm:pt>
+    <dgm:pt modelId="{D0D1DF36-D778-488C-B3F9-A7A9B26BBFE8}" type="pres">
+      <dgm:prSet presAssocID="{B8C51F46-E470-46A4-B94F-8F96D1E1D034}" presName="sibTrans" presStyleCnt="0"/>
+      <dgm:spPr/>
+    </dgm:pt>
+    <dgm:pt modelId="{E400DE8D-0917-4C3E-B701-BC6FD0914919}" type="pres">
+      <dgm:prSet presAssocID="{57EFC569-1FF3-4503-8611-D32D1C2478EF}" presName="compNode" presStyleCnt="0"/>
+      <dgm:spPr/>
+    </dgm:pt>
+    <dgm:pt modelId="{A01713D1-6256-4111-8E74-8D0BC263E509}" type="pres">
+      <dgm:prSet presAssocID="{57EFC569-1FF3-4503-8611-D32D1C2478EF}" presName="iconRect" presStyleLbl="node1" presStyleIdx="5" presStyleCnt="6"/>
+      <dgm:spPr>
+        <a:blipFill>
+          <a:blip xmlns:r="http://schemas.openxmlformats.org/officeDocument/2006/relationships" r:embed="rId11">
+            <a:extLst>
+              <a:ext uri="{28A0092B-C50C-407E-A947-70E740481C1C}">
+                <a14:useLocalDpi xmlns:a14="http://schemas.microsoft.com/office/drawing/2010/main" val="0"/>
+              </a:ext>
+              <a:ext uri="{96DAC541-7B7A-43D3-8B79-37D633B846F1}">
+                <asvg:svgBlip xmlns:asvg="http://schemas.microsoft.com/office/drawing/2016/SVG/main" r:embed="rId12"/>
+              </a:ext>
+            </a:extLst>
+          </a:blip>
+          <a:stretch>
+            <a:fillRect/>
+          </a:stretch>
+        </a:blipFill>
+      </dgm:spPr>
+      <dgm:extLst>
+        <a:ext uri="{E40237B7-FDA0-4F09-8148-C483321AD2D9}">
+          <dgm14:cNvPr xmlns:dgm14="http://schemas.microsoft.com/office/drawing/2010/diagram" id="0" name="" descr="Gavel"/>
+        </a:ext>
+      </dgm:extLst>
+    </dgm:pt>
+    <dgm:pt modelId="{0080449E-C628-4316-A3AE-FB4CABEAE209}" type="pres">
+      <dgm:prSet presAssocID="{57EFC569-1FF3-4503-8611-D32D1C2478EF}" presName="spaceRect" presStyleCnt="0"/>
+      <dgm:spPr/>
+    </dgm:pt>
+    <dgm:pt modelId="{5F5A7262-F73B-4308-9B8E-B46BDC12BE41}" type="pres">
+      <dgm:prSet presAssocID="{57EFC569-1FF3-4503-8611-D32D1C2478EF}" presName="textRect" presStyleLbl="revTx" presStyleIdx="5" presStyleCnt="6">
+        <dgm:presLayoutVars>
+          <dgm:chMax val="1"/>
+          <dgm:chPref val="1"/>
+        </dgm:presLayoutVars>
+      </dgm:prSet>
+      <dgm:spPr/>
+    </dgm:pt>
+  </dgm:ptLst>
+  <dgm:cxnLst>
+    <dgm:cxn modelId="{CCC95410-9202-4B54-95C9-A005C47F6FED}" srcId="{868438AF-5AD3-4A27-BAF8-4E881B5A971E}" destId="{57EFC569-1FF3-4503-8611-D32D1C2478EF}" srcOrd="5" destOrd="0" parTransId="{D1A686A2-7294-40DD-868B-B13CFAFAF0D8}" sibTransId="{C161F342-C298-41AC-951D-D8C443CD2EA3}"/>
+    <dgm:cxn modelId="{83AA3A13-233C-4025-B459-6413EB062D2C}" srcId="{868438AF-5AD3-4A27-BAF8-4E881B5A971E}" destId="{1EBA1F85-CF5D-452A-9249-B3E6D0485EB8}" srcOrd="0" destOrd="0" parTransId="{4B5614E0-0020-475F-B8C7-26E9A2CAE7F8}" sibTransId="{87B672E6-99B0-4C09-BF55-DC1FB72EFF12}"/>
+    <dgm:cxn modelId="{541BD12D-4383-49A0-AD7E-2F02C865846C}" type="presOf" srcId="{1EBA1F85-CF5D-452A-9249-B3E6D0485EB8}" destId="{D5A8ED27-37A5-4102-8E3D-ABEA5C7249ED}" srcOrd="0" destOrd="0" presId="urn:microsoft.com/office/officeart/2018/2/layout/IconLabelList"/>
+    <dgm:cxn modelId="{BF473537-6A54-4FD0-96AD-9A684A534EB7}" srcId="{868438AF-5AD3-4A27-BAF8-4E881B5A971E}" destId="{3C26D8BC-DE61-4E09-9B6D-2FF3CE0D93ED}" srcOrd="1" destOrd="0" parTransId="{4454ACBB-38E7-4FD5-A952-D68FE5445585}" sibTransId="{711220F7-0C3A-4533-8E9A-02A488D81EFA}"/>
+    <dgm:cxn modelId="{1E203743-23FE-4655-B0BD-C510D4DEB7CB}" type="presOf" srcId="{536CB657-FF19-431C-8D58-97B935092252}" destId="{D8E25651-59AB-46BB-BC3D-D277868C7AC8}" srcOrd="0" destOrd="0" presId="urn:microsoft.com/office/officeart/2018/2/layout/IconLabelList"/>
+    <dgm:cxn modelId="{08F8116A-FB25-4586-AB3B-B5AA93CE9154}" type="presOf" srcId="{57EFC569-1FF3-4503-8611-D32D1C2478EF}" destId="{5F5A7262-F73B-4308-9B8E-B46BDC12BE41}" srcOrd="0" destOrd="0" presId="urn:microsoft.com/office/officeart/2018/2/layout/IconLabelList"/>
+    <dgm:cxn modelId="{BE3F4172-3489-4A43-AFCF-A0B693261046}" type="presOf" srcId="{AAD2FDF2-C891-431B-BA60-144931B438A9}" destId="{9D8D4128-958F-4D65-A1AA-178776E4FE73}" srcOrd="0" destOrd="0" presId="urn:microsoft.com/office/officeart/2018/2/layout/IconLabelList"/>
+    <dgm:cxn modelId="{CC40D093-94BD-4866-BE02-CBA1E3A46EF8}" type="presOf" srcId="{3C26D8BC-DE61-4E09-9B6D-2FF3CE0D93ED}" destId="{0FD69E52-4648-40D3-9E7A-654547B96AA2}" srcOrd="0" destOrd="0" presId="urn:microsoft.com/office/officeart/2018/2/layout/IconLabelList"/>
+    <dgm:cxn modelId="{F2456DAC-D95D-4FA8-8A3D-C9CDF8B526B6}" type="presOf" srcId="{8C2891CB-5ECF-42E6-8F77-E0CD052B6C18}" destId="{30C780A6-618A-48A2-B39E-018ED95E472F}" srcOrd="0" destOrd="0" presId="urn:microsoft.com/office/officeart/2018/2/layout/IconLabelList"/>
+    <dgm:cxn modelId="{1102B9B7-00EB-4E59-B6BB-9B96E0B1D785}" srcId="{868438AF-5AD3-4A27-BAF8-4E881B5A971E}" destId="{536CB657-FF19-431C-8D58-97B935092252}" srcOrd="2" destOrd="0" parTransId="{418E4476-C2CF-4BDD-9D47-E10D54C1E6EE}" sibTransId="{4176EAA1-F695-46BA-B004-3C4AB3D16B1B}"/>
+    <dgm:cxn modelId="{9C6265BF-915B-4AC0-AC78-E726CF5769A7}" type="presOf" srcId="{868438AF-5AD3-4A27-BAF8-4E881B5A971E}" destId="{49C7E4B2-6A03-4A46-B394-F4F98DF737C2}" srcOrd="0" destOrd="0" presId="urn:microsoft.com/office/officeart/2018/2/layout/IconLabelList"/>
+    <dgm:cxn modelId="{571675C8-73DA-4F4B-AF5C-6CD04D074C74}" srcId="{868438AF-5AD3-4A27-BAF8-4E881B5A971E}" destId="{8C2891CB-5ECF-42E6-8F77-E0CD052B6C18}" srcOrd="3" destOrd="0" parTransId="{894308BA-E5B1-4ED7-97D3-72D80BF2AB36}" sibTransId="{E9900C52-616C-4128-AC1E-02E693A8DB07}"/>
+    <dgm:cxn modelId="{B76BB4E6-19A1-4536-987B-1C46CBBA7A2A}" srcId="{868438AF-5AD3-4A27-BAF8-4E881B5A971E}" destId="{AAD2FDF2-C891-431B-BA60-144931B438A9}" srcOrd="4" destOrd="0" parTransId="{5B7C04B3-AC16-4DE7-8EBA-A0DBF129907D}" sibTransId="{B8C51F46-E470-46A4-B94F-8F96D1E1D034}"/>
+    <dgm:cxn modelId="{AF1662DA-E168-4D64-A759-88A0E71ABBB5}" type="presParOf" srcId="{49C7E4B2-6A03-4A46-B394-F4F98DF737C2}" destId="{88FD013B-219E-4068-8CAA-D403E2B1F4FA}" srcOrd="0" destOrd="0" presId="urn:microsoft.com/office/officeart/2018/2/layout/IconLabelList"/>
+    <dgm:cxn modelId="{32348C3A-DF3E-4803-8A6E-20EDF0924F71}" type="presParOf" srcId="{88FD013B-219E-4068-8CAA-D403E2B1F4FA}" destId="{214987A7-9A8A-44CD-BBD2-BD64D66B3DBF}" srcOrd="0" destOrd="0" presId="urn:microsoft.com/office/officeart/2018/2/layout/IconLabelList"/>
+    <dgm:cxn modelId="{39ACD521-BEC4-4489-ADD0-2C36AF8B81BB}" type="presParOf" srcId="{88FD013B-219E-4068-8CAA-D403E2B1F4FA}" destId="{F00028E6-ABE5-471F-AA0D-929E68F3B338}" srcOrd="1" destOrd="0" presId="urn:microsoft.com/office/officeart/2018/2/layout/IconLabelList"/>
+    <dgm:cxn modelId="{399F920A-2A1D-45CF-A50A-8CEBFC560A55}" type="presParOf" srcId="{88FD013B-219E-4068-8CAA-D403E2B1F4FA}" destId="{D5A8ED27-37A5-4102-8E3D-ABEA5C7249ED}" srcOrd="2" destOrd="0" presId="urn:microsoft.com/office/officeart/2018/2/layout/IconLabelList"/>
+    <dgm:cxn modelId="{CBB15000-A997-4399-94FF-B1C449C57923}" type="presParOf" srcId="{49C7E4B2-6A03-4A46-B394-F4F98DF737C2}" destId="{B1C7B558-B034-47D9-9D93-09969A7CC642}" srcOrd="1" destOrd="0" presId="urn:microsoft.com/office/officeart/2018/2/layout/IconLabelList"/>
+    <dgm:cxn modelId="{2330CE9D-5047-4CD4-AEBB-72C7EB5DA252}" type="presParOf" srcId="{49C7E4B2-6A03-4A46-B394-F4F98DF737C2}" destId="{4F315DDC-5B0B-41F5-B52C-054EC644B7E4}" srcOrd="2" destOrd="0" presId="urn:microsoft.com/office/officeart/2018/2/layout/IconLabelList"/>
+    <dgm:cxn modelId="{D18BD1DD-B283-44BA-A59A-D15953C4FB2F}" type="presParOf" srcId="{4F315DDC-5B0B-41F5-B52C-054EC644B7E4}" destId="{90C7567D-2423-4C9D-984F-BAF4029DD7A6}" srcOrd="0" destOrd="0" presId="urn:microsoft.com/office/officeart/2018/2/layout/IconLabelList"/>
+    <dgm:cxn modelId="{A022EFE0-9C6B-4BB9-BBB9-1F2B8B1891B5}" type="presParOf" srcId="{4F315DDC-5B0B-41F5-B52C-054EC644B7E4}" destId="{B01A9B2A-E410-4708-AF82-8177157BCBCD}" srcOrd="1" destOrd="0" presId="urn:microsoft.com/office/officeart/2018/2/layout/IconLabelList"/>
+    <dgm:cxn modelId="{CD5F2099-9D0B-4DAE-BF36-98DB9F85F15C}" type="presParOf" srcId="{4F315DDC-5B0B-41F5-B52C-054EC644B7E4}" destId="{0FD69E52-4648-40D3-9E7A-654547B96AA2}" srcOrd="2" destOrd="0" presId="urn:microsoft.com/office/officeart/2018/2/layout/IconLabelList"/>
+    <dgm:cxn modelId="{8B0F2655-5608-43E2-8542-06256089ADD1}" type="presParOf" srcId="{49C7E4B2-6A03-4A46-B394-F4F98DF737C2}" destId="{85CFF9A1-C890-4676-B1D9-5884E18456EC}" srcOrd="3" destOrd="0" presId="urn:microsoft.com/office/officeart/2018/2/layout/IconLabelList"/>
+    <dgm:cxn modelId="{8E137857-84C6-475B-A427-C77562057C11}" type="presParOf" srcId="{49C7E4B2-6A03-4A46-B394-F4F98DF737C2}" destId="{C9CCE672-5909-487B-BA00-5D035D5AF2C0}" srcOrd="4" destOrd="0" presId="urn:microsoft.com/office/officeart/2018/2/layout/IconLabelList"/>
+    <dgm:cxn modelId="{B712417D-1901-4B30-AFF6-0AB72DCFA27D}" type="presParOf" srcId="{C9CCE672-5909-487B-BA00-5D035D5AF2C0}" destId="{20FAFA6A-ABE9-4C02-87E7-183C7B811195}" srcOrd="0" destOrd="0" presId="urn:microsoft.com/office/officeart/2018/2/layout/IconLabelList"/>
+    <dgm:cxn modelId="{C5BDE84F-DE2C-464C-916D-9F2FB0C94718}" type="presParOf" srcId="{C9CCE672-5909-487B-BA00-5D035D5AF2C0}" destId="{B0B6535F-D1B3-488A-990C-00990E2F1F5B}" srcOrd="1" destOrd="0" presId="urn:microsoft.com/office/officeart/2018/2/layout/IconLabelList"/>
+    <dgm:cxn modelId="{8FA12A54-94E1-4612-A8A6-CB7F6FAA783C}" type="presParOf" srcId="{C9CCE672-5909-487B-BA00-5D035D5AF2C0}" destId="{D8E25651-59AB-46BB-BC3D-D277868C7AC8}" srcOrd="2" destOrd="0" presId="urn:microsoft.com/office/officeart/2018/2/layout/IconLabelList"/>
+    <dgm:cxn modelId="{FAF25338-7E74-44ED-B9DF-9AD685812F89}" type="presParOf" srcId="{49C7E4B2-6A03-4A46-B394-F4F98DF737C2}" destId="{8FBAFDE7-39E7-49EF-97D3-7AB604E770E5}" srcOrd="5" destOrd="0" presId="urn:microsoft.com/office/officeart/2018/2/layout/IconLabelList"/>
+    <dgm:cxn modelId="{56301359-08D7-40A0-B475-9BEF18AE75A6}" type="presParOf" srcId="{49C7E4B2-6A03-4A46-B394-F4F98DF737C2}" destId="{7175AEC1-878E-4522-AC11-4B621CE89FFF}" srcOrd="6" destOrd="0" presId="urn:microsoft.com/office/officeart/2018/2/layout/IconLabelList"/>
+    <dgm:cxn modelId="{32231CA4-3775-4195-8EF1-1C1BD9DAA8FB}" type="presParOf" srcId="{7175AEC1-878E-4522-AC11-4B621CE89FFF}" destId="{12CDE74B-B861-4117-B331-E816520978F4}" srcOrd="0" destOrd="0" presId="urn:microsoft.com/office/officeart/2018/2/layout/IconLabelList"/>
+    <dgm:cxn modelId="{C7E32662-68EB-40F0-A389-1DDB18844795}" type="presParOf" srcId="{7175AEC1-878E-4522-AC11-4B621CE89FFF}" destId="{D30BACF1-BAF9-447F-8FB4-8029A8F81CC5}" srcOrd="1" destOrd="0" presId="urn:microsoft.com/office/officeart/2018/2/layout/IconLabelList"/>
+    <dgm:cxn modelId="{BE1B4298-B162-43EC-A2C1-2A7D8933C544}" type="presParOf" srcId="{7175AEC1-878E-4522-AC11-4B621CE89FFF}" destId="{30C780A6-618A-48A2-B39E-018ED95E472F}" srcOrd="2" destOrd="0" presId="urn:microsoft.com/office/officeart/2018/2/layout/IconLabelList"/>
+    <dgm:cxn modelId="{DC3D76C4-0D3C-4F24-A426-BF183983C580}" type="presParOf" srcId="{49C7E4B2-6A03-4A46-B394-F4F98DF737C2}" destId="{76DEE438-720D-43A0-9C3E-7488FD848426}" srcOrd="7" destOrd="0" presId="urn:microsoft.com/office/officeart/2018/2/layout/IconLabelList"/>
+    <dgm:cxn modelId="{8D26995E-6150-4A25-A0C9-07BF4387069A}" type="presParOf" srcId="{49C7E4B2-6A03-4A46-B394-F4F98DF737C2}" destId="{12F5E7E3-EA94-40F5-A9B0-090327B39632}" srcOrd="8" destOrd="0" presId="urn:microsoft.com/office/officeart/2018/2/layout/IconLabelList"/>
+    <dgm:cxn modelId="{F491A192-1D90-4B71-BA72-54193314A894}" type="presParOf" srcId="{12F5E7E3-EA94-40F5-A9B0-090327B39632}" destId="{8B2C14C5-A853-4332-92A0-B56CB4054103}" srcOrd="0" destOrd="0" presId="urn:microsoft.com/office/officeart/2018/2/layout/IconLabelList"/>
+    <dgm:cxn modelId="{45561B78-2536-441A-8227-EC912C02258C}" type="presParOf" srcId="{12F5E7E3-EA94-40F5-A9B0-090327B39632}" destId="{0ACF8446-D6B7-4AD2-AD50-B8F238F37A2B}" srcOrd="1" destOrd="0" presId="urn:microsoft.com/office/officeart/2018/2/layout/IconLabelList"/>
+    <dgm:cxn modelId="{C4A59D3B-A183-4CAD-89EE-5257E097FD7B}" type="presParOf" srcId="{12F5E7E3-EA94-40F5-A9B0-090327B39632}" destId="{9D8D4128-958F-4D65-A1AA-178776E4FE73}" srcOrd="2" destOrd="0" presId="urn:microsoft.com/office/officeart/2018/2/layout/IconLabelList"/>
+    <dgm:cxn modelId="{89F3E913-E9F2-4B6B-B418-C91004F3F5D1}" type="presParOf" srcId="{49C7E4B2-6A03-4A46-B394-F4F98DF737C2}" destId="{D0D1DF36-D778-488C-B3F9-A7A9B26BBFE8}" srcOrd="9" destOrd="0" presId="urn:microsoft.com/office/officeart/2018/2/layout/IconLabelList"/>
+    <dgm:cxn modelId="{14A7A05B-74BD-40C1-A941-4D8F86B22FEB}" type="presParOf" srcId="{49C7E4B2-6A03-4A46-B394-F4F98DF737C2}" destId="{E400DE8D-0917-4C3E-B701-BC6FD0914919}" srcOrd="10" destOrd="0" presId="urn:microsoft.com/office/officeart/2018/2/layout/IconLabelList"/>
+    <dgm:cxn modelId="{3C8764AA-1170-4BD3-85A5-2ED0A54D2F84}" type="presParOf" srcId="{E400DE8D-0917-4C3E-B701-BC6FD0914919}" destId="{A01713D1-6256-4111-8E74-8D0BC263E509}" srcOrd="0" destOrd="0" presId="urn:microsoft.com/office/officeart/2018/2/layout/IconLabelList"/>
+    <dgm:cxn modelId="{E28C4749-7078-46B8-9AF4-C7D1CD2D10A8}" type="presParOf" srcId="{E400DE8D-0917-4C3E-B701-BC6FD0914919}" destId="{0080449E-C628-4316-A3AE-FB4CABEAE209}" srcOrd="1" destOrd="0" presId="urn:microsoft.com/office/officeart/2018/2/layout/IconLabelList"/>
+    <dgm:cxn modelId="{F1EF3922-5AB8-4DC0-8DD0-F8EBE2F17DB1}" type="presParOf" srcId="{E400DE8D-0917-4C3E-B701-BC6FD0914919}" destId="{5F5A7262-F73B-4308-9B8E-B46BDC12BE41}" srcOrd="2" destOrd="0" presId="urn:microsoft.com/office/officeart/2018/2/layout/IconLabelList"/>
+  </dgm:cxnLst>
+  <dgm:bg/>
+  <dgm:whole/>
+  <dgm:extLst>
+    <a:ext uri="http://schemas.microsoft.com/office/drawing/2008/diagram">
+      <dsp:dataModelExt xmlns:dsp="http://schemas.microsoft.com/office/drawing/2008/diagram" relId="rId6" minVer="http://schemas.openxmlformats.org/drawingml/2006/diagram"/>
+    </a:ext>
+  </dgm:extLst>
+</dgm:dataModel>
+</file>
+
+<file path=ppt/diagrams/data2.xml><?xml version="1.0" encoding="utf-8"?>
 <dgm:dataModel xmlns:dgm="http://schemas.openxmlformats.org/drawingml/2006/diagram" xmlns:a="http://schemas.openxmlformats.org/drawingml/2006/main">
   <dgm:ptLst>
     <dgm:pt modelId="{E5AC04F9-0DBE-4DA7-8E6E-463760FA1889}" type="doc">
@@ -1036,7 +2379,7 @@
       <dgm:spPr/>
     </dgm:pt>
     <dgm:pt modelId="{D15E25D2-31D6-4EC4-9D2C-2A4F84D8823B}" type="pres">
-      <dgm:prSet presAssocID="{2646E8F0-50F2-459A-B366-3F09AA54344B}" presName="bgRect" presStyleLbl="bgShp" presStyleIdx="1" presStyleCnt="2" custLinFactNeighborY="2471"/>
+      <dgm:prSet presAssocID="{2646E8F0-50F2-459A-B366-3F09AA54344B}" presName="bgRect" presStyleLbl="bgShp" presStyleIdx="1" presStyleCnt="2" custLinFactNeighborX="-68499" custLinFactNeighborY="9564"/>
       <dgm:spPr/>
     </dgm:pt>
     <dgm:pt modelId="{E8DE0814-12EF-4BF4-82EE-14767206520B}" type="pres">
@@ -1110,6 +2453,720 @@
 </file>
 
 <file path=ppt/diagrams/drawing1.xml><?xml version="1.0" encoding="utf-8"?>
+<dsp:drawing xmlns:dgm="http://schemas.openxmlformats.org/drawingml/2006/diagram" xmlns:dsp="http://schemas.microsoft.com/office/drawing/2008/diagram" xmlns:a="http://schemas.openxmlformats.org/drawingml/2006/main">
+  <dsp:spTree>
+    <dsp:nvGrpSpPr>
+      <dsp:cNvPr id="0" name=""/>
+      <dsp:cNvGrpSpPr/>
+    </dsp:nvGrpSpPr>
+    <dsp:grpSpPr/>
+    <dsp:sp modelId="{214987A7-9A8A-44CD-BBD2-BD64D66B3DBF}">
+      <dsp:nvSpPr>
+        <dsp:cNvPr id="0" name=""/>
+        <dsp:cNvSpPr/>
+      </dsp:nvSpPr>
+      <dsp:spPr>
+        <a:xfrm>
+          <a:off x="440154" y="673977"/>
+          <a:ext cx="719033" cy="719033"/>
+        </a:xfrm>
+        <a:prstGeom prst="rect">
+          <a:avLst/>
+        </a:prstGeom>
+        <a:blipFill>
+          <a:blip xmlns:r="http://schemas.openxmlformats.org/officeDocument/2006/relationships" r:embed="rId1">
+            <a:extLst>
+              <a:ext uri="{28A0092B-C50C-407E-A947-70E740481C1C}">
+                <a14:useLocalDpi xmlns:a14="http://schemas.microsoft.com/office/drawing/2010/main" val="0"/>
+              </a:ext>
+              <a:ext uri="{96DAC541-7B7A-43D3-8B79-37D633B846F1}">
+                <asvg:svgBlip xmlns:asvg="http://schemas.microsoft.com/office/drawing/2016/SVG/main" r:embed="rId2"/>
+              </a:ext>
+            </a:extLst>
+          </a:blip>
+          <a:stretch>
+            <a:fillRect/>
+          </a:stretch>
+        </a:blipFill>
+        <a:ln w="12700" cap="flat" cmpd="sng" algn="ctr">
+          <a:solidFill>
+            <a:schemeClr val="lt1">
+              <a:hueOff val="0"/>
+              <a:satOff val="0"/>
+              <a:lumOff val="0"/>
+              <a:alphaOff val="0"/>
+            </a:schemeClr>
+          </a:solidFill>
+          <a:prstDash val="solid"/>
+          <a:miter lim="800000"/>
+        </a:ln>
+        <a:effectLst/>
+      </dsp:spPr>
+      <dsp:style>
+        <a:lnRef idx="2">
+          <a:scrgbClr r="0" g="0" b="0"/>
+        </a:lnRef>
+        <a:fillRef idx="1">
+          <a:scrgbClr r="0" g="0" b="0"/>
+        </a:fillRef>
+        <a:effectRef idx="0">
+          <a:scrgbClr r="0" g="0" b="0"/>
+        </a:effectRef>
+        <a:fontRef idx="minor">
+          <a:schemeClr val="lt1"/>
+        </a:fontRef>
+      </dsp:style>
+    </dsp:sp>
+    <dsp:sp modelId="{D5A8ED27-37A5-4102-8E3D-ABEA5C7249ED}">
+      <dsp:nvSpPr>
+        <dsp:cNvPr id="0" name=""/>
+        <dsp:cNvSpPr/>
+      </dsp:nvSpPr>
+      <dsp:spPr>
+        <a:xfrm>
+          <a:off x="745" y="1865436"/>
+          <a:ext cx="1597851" cy="1957368"/>
+        </a:xfrm>
+        <a:prstGeom prst="rect">
+          <a:avLst/>
+        </a:prstGeom>
+        <a:noFill/>
+        <a:ln>
+          <a:noFill/>
+        </a:ln>
+        <a:effectLst/>
+      </dsp:spPr>
+      <dsp:style>
+        <a:lnRef idx="0">
+          <a:scrgbClr r="0" g="0" b="0"/>
+        </a:lnRef>
+        <a:fillRef idx="0">
+          <a:scrgbClr r="0" g="0" b="0"/>
+        </a:fillRef>
+        <a:effectRef idx="0">
+          <a:scrgbClr r="0" g="0" b="0"/>
+        </a:effectRef>
+        <a:fontRef idx="minor"/>
+      </dsp:style>
+      <dsp:txBody>
+        <a:bodyPr spcFirstLastPara="0" vert="horz" wrap="square" lIns="0" tIns="0" rIns="0" bIns="0" numCol="1" spcCol="1270" anchor="t" anchorCtr="0">
+          <a:noAutofit/>
+        </a:bodyPr>
+        <a:lstStyle/>
+        <a:p>
+          <a:pPr marL="0" lvl="0" indent="0" algn="ctr" defTabSz="889000">
+            <a:lnSpc>
+              <a:spcPct val="100000"/>
+            </a:lnSpc>
+            <a:spcBef>
+              <a:spcPct val="0"/>
+            </a:spcBef>
+            <a:spcAft>
+              <a:spcPct val="35000"/>
+            </a:spcAft>
+            <a:buNone/>
+          </a:pPr>
+          <a:r>
+            <a:rPr lang="en-US" sz="2000" kern="1200" dirty="0"/>
+            <a:t>Purpose</a:t>
+          </a:r>
+        </a:p>
+      </dsp:txBody>
+      <dsp:txXfrm>
+        <a:off x="745" y="1865436"/>
+        <a:ext cx="1597851" cy="1957368"/>
+      </dsp:txXfrm>
+    </dsp:sp>
+    <dsp:sp modelId="{90C7567D-2423-4C9D-984F-BAF4029DD7A6}">
+      <dsp:nvSpPr>
+        <dsp:cNvPr id="0" name=""/>
+        <dsp:cNvSpPr/>
+      </dsp:nvSpPr>
+      <dsp:spPr>
+        <a:xfrm>
+          <a:off x="2317630" y="673977"/>
+          <a:ext cx="719033" cy="719033"/>
+        </a:xfrm>
+        <a:prstGeom prst="rect">
+          <a:avLst/>
+        </a:prstGeom>
+        <a:blipFill>
+          <a:blip xmlns:r="http://schemas.openxmlformats.org/officeDocument/2006/relationships" r:embed="rId3">
+            <a:extLst>
+              <a:ext uri="{28A0092B-C50C-407E-A947-70E740481C1C}">
+                <a14:useLocalDpi xmlns:a14="http://schemas.microsoft.com/office/drawing/2010/main" val="0"/>
+              </a:ext>
+              <a:ext uri="{96DAC541-7B7A-43D3-8B79-37D633B846F1}">
+                <asvg:svgBlip xmlns:asvg="http://schemas.microsoft.com/office/drawing/2016/SVG/main" r:embed="rId4"/>
+              </a:ext>
+            </a:extLst>
+          </a:blip>
+          <a:stretch>
+            <a:fillRect/>
+          </a:stretch>
+        </a:blipFill>
+        <a:ln w="12700" cap="flat" cmpd="sng" algn="ctr">
+          <a:solidFill>
+            <a:schemeClr val="lt1">
+              <a:hueOff val="0"/>
+              <a:satOff val="0"/>
+              <a:lumOff val="0"/>
+              <a:alphaOff val="0"/>
+            </a:schemeClr>
+          </a:solidFill>
+          <a:prstDash val="solid"/>
+          <a:miter lim="800000"/>
+        </a:ln>
+        <a:effectLst/>
+      </dsp:spPr>
+      <dsp:style>
+        <a:lnRef idx="2">
+          <a:scrgbClr r="0" g="0" b="0"/>
+        </a:lnRef>
+        <a:fillRef idx="1">
+          <a:scrgbClr r="0" g="0" b="0"/>
+        </a:fillRef>
+        <a:effectRef idx="0">
+          <a:scrgbClr r="0" g="0" b="0"/>
+        </a:effectRef>
+        <a:fontRef idx="minor">
+          <a:schemeClr val="lt1"/>
+        </a:fontRef>
+      </dsp:style>
+    </dsp:sp>
+    <dsp:sp modelId="{0FD69E52-4648-40D3-9E7A-654547B96AA2}">
+      <dsp:nvSpPr>
+        <dsp:cNvPr id="0" name=""/>
+        <dsp:cNvSpPr/>
+      </dsp:nvSpPr>
+      <dsp:spPr>
+        <a:xfrm>
+          <a:off x="1878221" y="1865436"/>
+          <a:ext cx="1597851" cy="1957368"/>
+        </a:xfrm>
+        <a:prstGeom prst="rect">
+          <a:avLst/>
+        </a:prstGeom>
+        <a:noFill/>
+        <a:ln>
+          <a:noFill/>
+        </a:ln>
+        <a:effectLst/>
+      </dsp:spPr>
+      <dsp:style>
+        <a:lnRef idx="0">
+          <a:scrgbClr r="0" g="0" b="0"/>
+        </a:lnRef>
+        <a:fillRef idx="0">
+          <a:scrgbClr r="0" g="0" b="0"/>
+        </a:fillRef>
+        <a:effectRef idx="0">
+          <a:scrgbClr r="0" g="0" b="0"/>
+        </a:effectRef>
+        <a:fontRef idx="minor"/>
+      </dsp:style>
+      <dsp:txBody>
+        <a:bodyPr spcFirstLastPara="0" vert="horz" wrap="square" lIns="0" tIns="0" rIns="0" bIns="0" numCol="1" spcCol="1270" anchor="t" anchorCtr="0">
+          <a:noAutofit/>
+        </a:bodyPr>
+        <a:lstStyle/>
+        <a:p>
+          <a:pPr marL="0" lvl="0" indent="0" algn="ctr" defTabSz="889000">
+            <a:lnSpc>
+              <a:spcPct val="100000"/>
+            </a:lnSpc>
+            <a:spcBef>
+              <a:spcPct val="0"/>
+            </a:spcBef>
+            <a:spcAft>
+              <a:spcPct val="35000"/>
+            </a:spcAft>
+            <a:buNone/>
+          </a:pPr>
+          <a:r>
+            <a:rPr lang="en-US" sz="2000" kern="1200" dirty="0"/>
+            <a:t>Smart questions</a:t>
+          </a:r>
+        </a:p>
+      </dsp:txBody>
+      <dsp:txXfrm>
+        <a:off x="1878221" y="1865436"/>
+        <a:ext cx="1597851" cy="1957368"/>
+      </dsp:txXfrm>
+    </dsp:sp>
+    <dsp:sp modelId="{20FAFA6A-ABE9-4C02-87E7-183C7B811195}">
+      <dsp:nvSpPr>
+        <dsp:cNvPr id="0" name=""/>
+        <dsp:cNvSpPr/>
+      </dsp:nvSpPr>
+      <dsp:spPr>
+        <a:xfrm>
+          <a:off x="4195106" y="673977"/>
+          <a:ext cx="719033" cy="719033"/>
+        </a:xfrm>
+        <a:prstGeom prst="rect">
+          <a:avLst/>
+        </a:prstGeom>
+        <a:blipFill>
+          <a:blip xmlns:r="http://schemas.openxmlformats.org/officeDocument/2006/relationships" r:embed="rId5">
+            <a:extLst>
+              <a:ext uri="{28A0092B-C50C-407E-A947-70E740481C1C}">
+                <a14:useLocalDpi xmlns:a14="http://schemas.microsoft.com/office/drawing/2010/main" val="0"/>
+              </a:ext>
+              <a:ext uri="{96DAC541-7B7A-43D3-8B79-37D633B846F1}">
+                <asvg:svgBlip xmlns:asvg="http://schemas.microsoft.com/office/drawing/2016/SVG/main" r:embed="rId6"/>
+              </a:ext>
+            </a:extLst>
+          </a:blip>
+          <a:stretch>
+            <a:fillRect/>
+          </a:stretch>
+        </a:blipFill>
+        <a:ln w="12700" cap="flat" cmpd="sng" algn="ctr">
+          <a:solidFill>
+            <a:schemeClr val="lt1">
+              <a:hueOff val="0"/>
+              <a:satOff val="0"/>
+              <a:lumOff val="0"/>
+              <a:alphaOff val="0"/>
+            </a:schemeClr>
+          </a:solidFill>
+          <a:prstDash val="solid"/>
+          <a:miter lim="800000"/>
+        </a:ln>
+        <a:effectLst/>
+      </dsp:spPr>
+      <dsp:style>
+        <a:lnRef idx="2">
+          <a:scrgbClr r="0" g="0" b="0"/>
+        </a:lnRef>
+        <a:fillRef idx="1">
+          <a:scrgbClr r="0" g="0" b="0"/>
+        </a:fillRef>
+        <a:effectRef idx="0">
+          <a:scrgbClr r="0" g="0" b="0"/>
+        </a:effectRef>
+        <a:fontRef idx="minor">
+          <a:schemeClr val="lt1"/>
+        </a:fontRef>
+      </dsp:style>
+    </dsp:sp>
+    <dsp:sp modelId="{D8E25651-59AB-46BB-BC3D-D277868C7AC8}">
+      <dsp:nvSpPr>
+        <dsp:cNvPr id="0" name=""/>
+        <dsp:cNvSpPr/>
+      </dsp:nvSpPr>
+      <dsp:spPr>
+        <a:xfrm>
+          <a:off x="3755696" y="1865436"/>
+          <a:ext cx="1597851" cy="1957368"/>
+        </a:xfrm>
+        <a:prstGeom prst="rect">
+          <a:avLst/>
+        </a:prstGeom>
+        <a:noFill/>
+        <a:ln>
+          <a:noFill/>
+        </a:ln>
+        <a:effectLst/>
+      </dsp:spPr>
+      <dsp:style>
+        <a:lnRef idx="0">
+          <a:scrgbClr r="0" g="0" b="0"/>
+        </a:lnRef>
+        <a:fillRef idx="0">
+          <a:scrgbClr r="0" g="0" b="0"/>
+        </a:fillRef>
+        <a:effectRef idx="0">
+          <a:scrgbClr r="0" g="0" b="0"/>
+        </a:effectRef>
+        <a:fontRef idx="minor"/>
+      </dsp:style>
+      <dsp:txBody>
+        <a:bodyPr spcFirstLastPara="0" vert="horz" wrap="square" lIns="0" tIns="0" rIns="0" bIns="0" numCol="1" spcCol="1270" anchor="t" anchorCtr="0">
+          <a:noAutofit/>
+        </a:bodyPr>
+        <a:lstStyle/>
+        <a:p>
+          <a:pPr marL="0" lvl="0" indent="0" algn="ctr" defTabSz="889000">
+            <a:lnSpc>
+              <a:spcPct val="100000"/>
+            </a:lnSpc>
+            <a:spcBef>
+              <a:spcPct val="0"/>
+            </a:spcBef>
+            <a:spcAft>
+              <a:spcPct val="35000"/>
+            </a:spcAft>
+            <a:buNone/>
+          </a:pPr>
+          <a:r>
+            <a:rPr lang="en-US" sz="2000" kern="1200" dirty="0"/>
+            <a:t>Data Overview</a:t>
+          </a:r>
+        </a:p>
+      </dsp:txBody>
+      <dsp:txXfrm>
+        <a:off x="3755696" y="1865436"/>
+        <a:ext cx="1597851" cy="1957368"/>
+      </dsp:txXfrm>
+    </dsp:sp>
+    <dsp:sp modelId="{12CDE74B-B861-4117-B331-E816520978F4}">
+      <dsp:nvSpPr>
+        <dsp:cNvPr id="0" name=""/>
+        <dsp:cNvSpPr/>
+      </dsp:nvSpPr>
+      <dsp:spPr>
+        <a:xfrm>
+          <a:off x="6072581" y="673977"/>
+          <a:ext cx="719033" cy="719033"/>
+        </a:xfrm>
+        <a:prstGeom prst="rect">
+          <a:avLst/>
+        </a:prstGeom>
+        <a:blipFill>
+          <a:blip xmlns:r="http://schemas.openxmlformats.org/officeDocument/2006/relationships" r:embed="rId7">
+            <a:extLst>
+              <a:ext uri="{28A0092B-C50C-407E-A947-70E740481C1C}">
+                <a14:useLocalDpi xmlns:a14="http://schemas.microsoft.com/office/drawing/2010/main" val="0"/>
+              </a:ext>
+              <a:ext uri="{96DAC541-7B7A-43D3-8B79-37D633B846F1}">
+                <asvg:svgBlip xmlns:asvg="http://schemas.microsoft.com/office/drawing/2016/SVG/main" r:embed="rId8"/>
+              </a:ext>
+            </a:extLst>
+          </a:blip>
+          <a:stretch>
+            <a:fillRect/>
+          </a:stretch>
+        </a:blipFill>
+        <a:ln w="12700" cap="flat" cmpd="sng" algn="ctr">
+          <a:solidFill>
+            <a:schemeClr val="lt1">
+              <a:hueOff val="0"/>
+              <a:satOff val="0"/>
+              <a:lumOff val="0"/>
+              <a:alphaOff val="0"/>
+            </a:schemeClr>
+          </a:solidFill>
+          <a:prstDash val="solid"/>
+          <a:miter lim="800000"/>
+        </a:ln>
+        <a:effectLst/>
+      </dsp:spPr>
+      <dsp:style>
+        <a:lnRef idx="2">
+          <a:scrgbClr r="0" g="0" b="0"/>
+        </a:lnRef>
+        <a:fillRef idx="1">
+          <a:scrgbClr r="0" g="0" b="0"/>
+        </a:fillRef>
+        <a:effectRef idx="0">
+          <a:scrgbClr r="0" g="0" b="0"/>
+        </a:effectRef>
+        <a:fontRef idx="minor">
+          <a:schemeClr val="lt1"/>
+        </a:fontRef>
+      </dsp:style>
+    </dsp:sp>
+    <dsp:sp modelId="{30C780A6-618A-48A2-B39E-018ED95E472F}">
+      <dsp:nvSpPr>
+        <dsp:cNvPr id="0" name=""/>
+        <dsp:cNvSpPr/>
+      </dsp:nvSpPr>
+      <dsp:spPr>
+        <a:xfrm>
+          <a:off x="5633172" y="1865436"/>
+          <a:ext cx="1597851" cy="1957368"/>
+        </a:xfrm>
+        <a:prstGeom prst="rect">
+          <a:avLst/>
+        </a:prstGeom>
+        <a:noFill/>
+        <a:ln>
+          <a:noFill/>
+        </a:ln>
+        <a:effectLst/>
+      </dsp:spPr>
+      <dsp:style>
+        <a:lnRef idx="0">
+          <a:scrgbClr r="0" g="0" b="0"/>
+        </a:lnRef>
+        <a:fillRef idx="0">
+          <a:scrgbClr r="0" g="0" b="0"/>
+        </a:fillRef>
+        <a:effectRef idx="0">
+          <a:scrgbClr r="0" g="0" b="0"/>
+        </a:effectRef>
+        <a:fontRef idx="minor"/>
+      </dsp:style>
+      <dsp:txBody>
+        <a:bodyPr spcFirstLastPara="0" vert="horz" wrap="square" lIns="0" tIns="0" rIns="0" bIns="0" numCol="1" spcCol="1270" anchor="t" anchorCtr="0">
+          <a:noAutofit/>
+        </a:bodyPr>
+        <a:lstStyle/>
+        <a:p>
+          <a:pPr marL="0" lvl="0" indent="0" algn="ctr" defTabSz="889000">
+            <a:lnSpc>
+              <a:spcPct val="100000"/>
+            </a:lnSpc>
+            <a:spcBef>
+              <a:spcPct val="0"/>
+            </a:spcBef>
+            <a:spcAft>
+              <a:spcPct val="35000"/>
+            </a:spcAft>
+            <a:buNone/>
+          </a:pPr>
+          <a:r>
+            <a:rPr lang="en-US" sz="2000" kern="1200" dirty="0"/>
+            <a:t>Exploratory Data Analysis</a:t>
+          </a:r>
+        </a:p>
+      </dsp:txBody>
+      <dsp:txXfrm>
+        <a:off x="5633172" y="1865436"/>
+        <a:ext cx="1597851" cy="1957368"/>
+      </dsp:txXfrm>
+    </dsp:sp>
+    <dsp:sp modelId="{8B2C14C5-A853-4332-92A0-B56CB4054103}">
+      <dsp:nvSpPr>
+        <dsp:cNvPr id="0" name=""/>
+        <dsp:cNvSpPr/>
+      </dsp:nvSpPr>
+      <dsp:spPr>
+        <a:xfrm>
+          <a:off x="7950057" y="673977"/>
+          <a:ext cx="719033" cy="719033"/>
+        </a:xfrm>
+        <a:prstGeom prst="rect">
+          <a:avLst/>
+        </a:prstGeom>
+        <a:blipFill>
+          <a:blip xmlns:r="http://schemas.openxmlformats.org/officeDocument/2006/relationships" r:embed="rId9">
+            <a:extLst>
+              <a:ext uri="{28A0092B-C50C-407E-A947-70E740481C1C}">
+                <a14:useLocalDpi xmlns:a14="http://schemas.microsoft.com/office/drawing/2010/main" val="0"/>
+              </a:ext>
+              <a:ext uri="{96DAC541-7B7A-43D3-8B79-37D633B846F1}">
+                <asvg:svgBlip xmlns:asvg="http://schemas.microsoft.com/office/drawing/2016/SVG/main" r:embed="rId10"/>
+              </a:ext>
+            </a:extLst>
+          </a:blip>
+          <a:stretch>
+            <a:fillRect/>
+          </a:stretch>
+        </a:blipFill>
+        <a:ln w="12700" cap="flat" cmpd="sng" algn="ctr">
+          <a:solidFill>
+            <a:schemeClr val="lt1">
+              <a:hueOff val="0"/>
+              <a:satOff val="0"/>
+              <a:lumOff val="0"/>
+              <a:alphaOff val="0"/>
+            </a:schemeClr>
+          </a:solidFill>
+          <a:prstDash val="solid"/>
+          <a:miter lim="800000"/>
+        </a:ln>
+        <a:effectLst/>
+      </dsp:spPr>
+      <dsp:style>
+        <a:lnRef idx="2">
+          <a:scrgbClr r="0" g="0" b="0"/>
+        </a:lnRef>
+        <a:fillRef idx="1">
+          <a:scrgbClr r="0" g="0" b="0"/>
+        </a:fillRef>
+        <a:effectRef idx="0">
+          <a:scrgbClr r="0" g="0" b="0"/>
+        </a:effectRef>
+        <a:fontRef idx="minor">
+          <a:schemeClr val="lt1"/>
+        </a:fontRef>
+      </dsp:style>
+    </dsp:sp>
+    <dsp:sp modelId="{9D8D4128-958F-4D65-A1AA-178776E4FE73}">
+      <dsp:nvSpPr>
+        <dsp:cNvPr id="0" name=""/>
+        <dsp:cNvSpPr/>
+      </dsp:nvSpPr>
+      <dsp:spPr>
+        <a:xfrm>
+          <a:off x="7510648" y="1865436"/>
+          <a:ext cx="1597851" cy="1957368"/>
+        </a:xfrm>
+        <a:prstGeom prst="rect">
+          <a:avLst/>
+        </a:prstGeom>
+        <a:noFill/>
+        <a:ln>
+          <a:noFill/>
+        </a:ln>
+        <a:effectLst/>
+      </dsp:spPr>
+      <dsp:style>
+        <a:lnRef idx="0">
+          <a:scrgbClr r="0" g="0" b="0"/>
+        </a:lnRef>
+        <a:fillRef idx="0">
+          <a:scrgbClr r="0" g="0" b="0"/>
+        </a:fillRef>
+        <a:effectRef idx="0">
+          <a:scrgbClr r="0" g="0" b="0"/>
+        </a:effectRef>
+        <a:fontRef idx="minor"/>
+      </dsp:style>
+      <dsp:txBody>
+        <a:bodyPr spcFirstLastPara="0" vert="horz" wrap="square" lIns="0" tIns="0" rIns="0" bIns="0" numCol="1" spcCol="1270" anchor="t" anchorCtr="0">
+          <a:noAutofit/>
+        </a:bodyPr>
+        <a:lstStyle/>
+        <a:p>
+          <a:pPr marL="0" lvl="0" indent="0" algn="ctr" defTabSz="889000">
+            <a:lnSpc>
+              <a:spcPct val="100000"/>
+            </a:lnSpc>
+            <a:spcBef>
+              <a:spcPct val="0"/>
+            </a:spcBef>
+            <a:spcAft>
+              <a:spcPct val="35000"/>
+            </a:spcAft>
+            <a:buNone/>
+          </a:pPr>
+          <a:r>
+            <a:rPr lang="en-US" sz="2000" kern="1200" dirty="0"/>
+            <a:t>Addressing SMART Questions Using Data Visualizations and Predictive Models</a:t>
+          </a:r>
+        </a:p>
+      </dsp:txBody>
+      <dsp:txXfrm>
+        <a:off x="7510648" y="1865436"/>
+        <a:ext cx="1597851" cy="1957368"/>
+      </dsp:txXfrm>
+    </dsp:sp>
+    <dsp:sp modelId="{A01713D1-6256-4111-8E74-8D0BC263E509}">
+      <dsp:nvSpPr>
+        <dsp:cNvPr id="0" name=""/>
+        <dsp:cNvSpPr/>
+      </dsp:nvSpPr>
+      <dsp:spPr>
+        <a:xfrm>
+          <a:off x="9827532" y="673977"/>
+          <a:ext cx="719033" cy="719033"/>
+        </a:xfrm>
+        <a:prstGeom prst="rect">
+          <a:avLst/>
+        </a:prstGeom>
+        <a:blipFill>
+          <a:blip xmlns:r="http://schemas.openxmlformats.org/officeDocument/2006/relationships" r:embed="rId11">
+            <a:extLst>
+              <a:ext uri="{28A0092B-C50C-407E-A947-70E740481C1C}">
+                <a14:useLocalDpi xmlns:a14="http://schemas.microsoft.com/office/drawing/2010/main" val="0"/>
+              </a:ext>
+              <a:ext uri="{96DAC541-7B7A-43D3-8B79-37D633B846F1}">
+                <asvg:svgBlip xmlns:asvg="http://schemas.microsoft.com/office/drawing/2016/SVG/main" r:embed="rId12"/>
+              </a:ext>
+            </a:extLst>
+          </a:blip>
+          <a:stretch>
+            <a:fillRect/>
+          </a:stretch>
+        </a:blipFill>
+        <a:ln w="12700" cap="flat" cmpd="sng" algn="ctr">
+          <a:solidFill>
+            <a:schemeClr val="lt1">
+              <a:hueOff val="0"/>
+              <a:satOff val="0"/>
+              <a:lumOff val="0"/>
+              <a:alphaOff val="0"/>
+            </a:schemeClr>
+          </a:solidFill>
+          <a:prstDash val="solid"/>
+          <a:miter lim="800000"/>
+        </a:ln>
+        <a:effectLst/>
+      </dsp:spPr>
+      <dsp:style>
+        <a:lnRef idx="2">
+          <a:scrgbClr r="0" g="0" b="0"/>
+        </a:lnRef>
+        <a:fillRef idx="1">
+          <a:scrgbClr r="0" g="0" b="0"/>
+        </a:fillRef>
+        <a:effectRef idx="0">
+          <a:scrgbClr r="0" g="0" b="0"/>
+        </a:effectRef>
+        <a:fontRef idx="minor">
+          <a:schemeClr val="lt1"/>
+        </a:fontRef>
+      </dsp:style>
+    </dsp:sp>
+    <dsp:sp modelId="{5F5A7262-F73B-4308-9B8E-B46BDC12BE41}">
+      <dsp:nvSpPr>
+        <dsp:cNvPr id="0" name=""/>
+        <dsp:cNvSpPr/>
+      </dsp:nvSpPr>
+      <dsp:spPr>
+        <a:xfrm>
+          <a:off x="9388123" y="1865436"/>
+          <a:ext cx="1597851" cy="1957368"/>
+        </a:xfrm>
+        <a:prstGeom prst="rect">
+          <a:avLst/>
+        </a:prstGeom>
+        <a:noFill/>
+        <a:ln>
+          <a:noFill/>
+        </a:ln>
+        <a:effectLst/>
+      </dsp:spPr>
+      <dsp:style>
+        <a:lnRef idx="0">
+          <a:scrgbClr r="0" g="0" b="0"/>
+        </a:lnRef>
+        <a:fillRef idx="0">
+          <a:scrgbClr r="0" g="0" b="0"/>
+        </a:fillRef>
+        <a:effectRef idx="0">
+          <a:scrgbClr r="0" g="0" b="0"/>
+        </a:effectRef>
+        <a:fontRef idx="minor"/>
+      </dsp:style>
+      <dsp:txBody>
+        <a:bodyPr spcFirstLastPara="0" vert="horz" wrap="square" lIns="0" tIns="0" rIns="0" bIns="0" numCol="1" spcCol="1270" anchor="t" anchorCtr="0">
+          <a:noAutofit/>
+        </a:bodyPr>
+        <a:lstStyle/>
+        <a:p>
+          <a:pPr marL="0" lvl="0" indent="0" algn="ctr" defTabSz="889000">
+            <a:lnSpc>
+              <a:spcPct val="100000"/>
+            </a:lnSpc>
+            <a:spcBef>
+              <a:spcPct val="0"/>
+            </a:spcBef>
+            <a:spcAft>
+              <a:spcPct val="35000"/>
+            </a:spcAft>
+            <a:buNone/>
+          </a:pPr>
+          <a:r>
+            <a:rPr lang="en-US" sz="2000" kern="1200" dirty="0"/>
+            <a:t>Conclusion</a:t>
+          </a:r>
+        </a:p>
+      </dsp:txBody>
+      <dsp:txXfrm>
+        <a:off x="9388123" y="1865436"/>
+        <a:ext cx="1597851" cy="1957368"/>
+      </dsp:txXfrm>
+    </dsp:sp>
+  </dsp:spTree>
+</dsp:drawing>
+</file>
+
+<file path=ppt/diagrams/drawing2.xml><?xml version="1.0" encoding="utf-8"?>
 <dsp:drawing xmlns:dgm="http://schemas.openxmlformats.org/drawingml/2006/diagram" xmlns:dsp="http://schemas.microsoft.com/office/drawing/2008/diagram" xmlns:a="http://schemas.openxmlformats.org/drawingml/2006/main">
   <dsp:spTree>
     <dsp:nvGrpSpPr>
@@ -1276,7 +3333,7 @@
       </dsp:nvSpPr>
       <dsp:spPr>
         <a:xfrm>
-          <a:off x="0" y="2100415"/>
+          <a:off x="0" y="2182437"/>
           <a:ext cx="9850170" cy="1156376"/>
         </a:xfrm>
         <a:prstGeom prst="roundRect">
@@ -1426,6 +3483,196 @@
 </file>
 
 <file path=ppt/diagrams/layout1.xml><?xml version="1.0" encoding="utf-8"?>
+<dgm:layoutDef xmlns:dgm="http://schemas.openxmlformats.org/drawingml/2006/diagram" xmlns:a="http://schemas.openxmlformats.org/drawingml/2006/main" uniqueId="urn:microsoft.com/office/officeart/2018/2/layout/IconLabelList">
+  <dgm:title val="Icon Label List"/>
+  <dgm:desc val="Use to show non-sequential or grouped chunks of information accompanied by a related visuals. Works best with icons or small pictures with short text captions."/>
+  <dgm:catLst>
+    <dgm:cat type="icon" pri="500"/>
+  </dgm:catLst>
+  <dgm:sampData useDef="1">
+    <dgm:dataModel>
+      <dgm:ptLst/>
+      <dgm:bg/>
+      <dgm:whole/>
+    </dgm:dataModel>
+  </dgm:sampData>
+  <dgm:styleData useDef="1">
+    <dgm:dataModel>
+      <dgm:ptLst/>
+      <dgm:bg/>
+      <dgm:whole/>
+    </dgm:dataModel>
+  </dgm:styleData>
+  <dgm:clrData useDef="1">
+    <dgm:dataModel>
+      <dgm:ptLst/>
+      <dgm:bg/>
+      <dgm:whole/>
+    </dgm:dataModel>
+  </dgm:clrData>
+  <dgm:layoutNode name="root">
+    <dgm:varLst>
+      <dgm:dir/>
+      <dgm:resizeHandles val="exact"/>
+    </dgm:varLst>
+    <dgm:choose name="Name0">
+      <dgm:if name="Name1" axis="self" func="var" arg="dir" op="equ" val="norm">
+        <dgm:alg type="snake">
+          <dgm:param type="grDir" val="tL"/>
+          <dgm:param type="flowDir" val="row"/>
+          <dgm:param type="contDir" val="sameDir"/>
+          <dgm:param type="off" val="ctr"/>
+          <dgm:param type="vertAlign" val="mid"/>
+          <dgm:param type="horzAlign" val="ctr"/>
+        </dgm:alg>
+      </dgm:if>
+      <dgm:else name="Name2">
+        <dgm:alg type="snake">
+          <dgm:param type="grDir" val="tR"/>
+          <dgm:param type="flowDir" val="row"/>
+          <dgm:param type="contDir" val="sameDir"/>
+          <dgm:param type="off" val="ctr"/>
+          <dgm:param type="vertAlign" val="mid"/>
+          <dgm:param type="horzAlign" val="ctr"/>
+        </dgm:alg>
+      </dgm:else>
+    </dgm:choose>
+    <dgm:shape xmlns:r="http://schemas.openxmlformats.org/officeDocument/2006/relationships" r:blip="">
+      <dgm:adjLst/>
+    </dgm:shape>
+    <dgm:presOf/>
+    <dgm:choose name="Name3">
+      <dgm:if name="Name4" axis="ch" ptType="node" func="cnt" op="lte" val="2">
+        <dgm:constrLst>
+          <dgm:constr type="h" for="ch" forName="compNode" refType="h" fact="0.4"/>
+          <dgm:constr type="w" for="ch" forName="compNode" val="120"/>
+          <dgm:constr type="w" for="ch" forName="sibTrans" refType="w" refFor="ch" refForName="compNode" fact="0.175"/>
+          <dgm:constr type="sp" refType="w" refFor="ch" refForName="compNode" op="equ" fact="0.25"/>
+          <dgm:constr type="primFontSz" for="des" ptType="node" op="equ" val="50"/>
+          <dgm:constr type="h" for="des" forName="compNode" op="equ"/>
+          <dgm:constr type="h" for="des" forName="textRect" op="equ"/>
+        </dgm:constrLst>
+      </dgm:if>
+      <dgm:if name="Name5" axis="ch" ptType="node" func="cnt" op="lte" val="4">
+        <dgm:constrLst>
+          <dgm:constr type="h" for="ch" forName="compNode" refType="h" fact="0.4"/>
+          <dgm:constr type="w" for="ch" forName="compNode" refType="w"/>
+          <dgm:constr type="w" for="ch" forName="sibTrans" refType="w" refFor="ch" refForName="compNode" fact="0.175"/>
+          <dgm:constr type="sp" refType="w" refFor="ch" refForName="compNode" op="equ" fact="0.25"/>
+          <dgm:constr type="primFontSz" for="des" ptType="node" op="equ" val="36"/>
+          <dgm:constr type="h" for="des" forName="compNode" op="equ"/>
+          <dgm:constr type="h" for="des" forName="textRect" op="equ"/>
+        </dgm:constrLst>
+      </dgm:if>
+      <dgm:else name="Name6">
+        <dgm:constrLst>
+          <dgm:constr type="h" for="ch" forName="compNode" refType="h" fact="0.4"/>
+          <dgm:constr type="w" for="ch" forName="compNode" refType="w"/>
+          <dgm:constr type="w" for="ch" forName="sibTrans" refType="w" refFor="ch" refForName="compNode" fact="0.175"/>
+          <dgm:constr type="sp" refType="w" refFor="ch" refForName="compNode" op="equ" fact="0.25"/>
+          <dgm:constr type="primFontSz" for="des" ptType="node" op="equ" val="24"/>
+          <dgm:constr type="h" for="des" forName="compNode" op="equ"/>
+          <dgm:constr type="h" for="des" forName="textRect" op="equ"/>
+        </dgm:constrLst>
+      </dgm:else>
+    </dgm:choose>
+    <dgm:ruleLst>
+      <dgm:rule type="w" for="ch" forName="compNode" val="50" fact="NaN" max="NaN"/>
+    </dgm:ruleLst>
+    <dgm:forEach name="Name7" axis="ch" ptType="node">
+      <dgm:layoutNode name="compNode">
+        <dgm:alg type="composite"/>
+        <dgm:shape xmlns:r="http://schemas.openxmlformats.org/officeDocument/2006/relationships" r:blip="">
+          <dgm:adjLst/>
+        </dgm:shape>
+        <dgm:presOf axis="self"/>
+        <dgm:constrLst>
+          <dgm:constr type="w" for="ch" forName="iconRect" refType="w" fact="0.45"/>
+          <dgm:constr type="h" for="ch" forName="iconRect" refType="w" refFor="ch" refForName="iconRect"/>
+          <dgm:constr type="ctrX" for="ch" forName="iconRect" refType="w" fact="0.5"/>
+          <dgm:constr type="t" for="ch" forName="iconRect"/>
+          <dgm:constr type="h" for="ch" forName="spaceRect" refType="h" fact="0.15"/>
+          <dgm:constr type="w" for="ch" forName="spaceRect" refType="w"/>
+          <dgm:constr type="l" for="ch" forName="spaceRect"/>
+          <dgm:constr type="t" for="ch" forName="spaceRect" refType="b" refFor="ch" refForName="iconRect"/>
+          <dgm:constr type="h" for="ch" forName="textRect" val="20"/>
+          <dgm:constr type="w" for="ch" forName="textRect" refType="w"/>
+          <dgm:constr type="l" for="ch" forName="textRect"/>
+          <dgm:constr type="t" for="ch" forName="textRect" refType="b" refFor="ch" refForName="spaceRect"/>
+        </dgm:constrLst>
+        <dgm:ruleLst>
+          <dgm:rule type="h" val="INF" fact="NaN" max="NaN"/>
+        </dgm:ruleLst>
+        <dgm:layoutNode name="iconRect" styleLbl="node1">
+          <dgm:alg type="sp"/>
+          <dgm:shape xmlns:r="http://schemas.openxmlformats.org/officeDocument/2006/relationships" type="rect" r:blip="" blipPhldr="1">
+            <dgm:adjLst/>
+          </dgm:shape>
+          <dgm:presOf/>
+          <dgm:constrLst/>
+          <dgm:ruleLst/>
+        </dgm:layoutNode>
+        <dgm:layoutNode name="spaceRect">
+          <dgm:alg type="sp"/>
+          <dgm:shape xmlns:r="http://schemas.openxmlformats.org/officeDocument/2006/relationships" r:blip="">
+            <dgm:adjLst/>
+          </dgm:shape>
+          <dgm:presOf/>
+          <dgm:constrLst/>
+          <dgm:ruleLst/>
+        </dgm:layoutNode>
+        <dgm:layoutNode name="textRect" styleLbl="revTx">
+          <dgm:varLst>
+            <dgm:chMax val="1"/>
+            <dgm:chPref val="1"/>
+          </dgm:varLst>
+          <dgm:alg type="tx">
+            <dgm:param type="txAnchorVert" val="t"/>
+          </dgm:alg>
+          <dgm:shape xmlns:r="http://schemas.openxmlformats.org/officeDocument/2006/relationships" type="rect" r:blip="">
+            <dgm:adjLst/>
+          </dgm:shape>
+          <dgm:presOf axis="self" ptType="node"/>
+          <dgm:constrLst>
+            <dgm:constr type="lMarg"/>
+            <dgm:constr type="rMarg"/>
+            <dgm:constr type="tMarg"/>
+            <dgm:constr type="bMarg"/>
+          </dgm:constrLst>
+          <dgm:ruleLst>
+            <dgm:rule type="primFontSz" val="11" fact="NaN" max="NaN"/>
+            <dgm:rule type="h" val="INF" fact="NaN" max="NaN"/>
+          </dgm:ruleLst>
+        </dgm:layoutNode>
+      </dgm:layoutNode>
+      <dgm:forEach name="Name8" axis="followSib" ptType="sibTrans" cnt="1">
+        <dgm:layoutNode name="sibTrans">
+          <dgm:alg type="sp"/>
+          <dgm:shape xmlns:r="http://schemas.openxmlformats.org/officeDocument/2006/relationships" r:blip="">
+            <dgm:adjLst/>
+          </dgm:shape>
+          <dgm:presOf axis="self"/>
+          <dgm:constrLst/>
+          <dgm:ruleLst/>
+        </dgm:layoutNode>
+      </dgm:forEach>
+    </dgm:forEach>
+  </dgm:layoutNode>
+  <dgm:extLst>
+    <a:ext uri="{68A01E43-0DF5-4B5B-8FA6-DAF915123BFB}">
+      <dgm1612:lstStyle xmlns:dgm1612="http://schemas.microsoft.com/office/drawing/2016/12/diagram">
+        <a:lvl1pPr>
+          <a:lnSpc>
+            <a:spcPct val="100000"/>
+          </a:lnSpc>
+        </a:lvl1pPr>
+      </dgm1612:lstStyle>
+    </a:ext>
+  </dgm:extLst>
+</dgm:layoutDef>
+</file>
+
+<file path=ppt/diagrams/layout2.xml><?xml version="1.0" encoding="utf-8"?>
 <dgm:layoutDef xmlns:dgm="http://schemas.openxmlformats.org/drawingml/2006/diagram" xmlns:a="http://schemas.openxmlformats.org/drawingml/2006/main" uniqueId="urn:microsoft.com/office/officeart/2018/2/layout/IconVerticalSolidList">
   <dgm:title val="Icon Vertical Solid List"/>
   <dgm:desc val="Use to show a series of visuals from top to bottom with Level 1 or Level 1 and Level 2 text grouped in a shape. Works best with icons or small pictures with lengthier descriptions."/>
@@ -1720,6 +3967,1040 @@
 </file>
 
 <file path=ppt/diagrams/quickStyle1.xml><?xml version="1.0" encoding="utf-8"?>
+<dgm:styleDef xmlns:dgm="http://schemas.openxmlformats.org/drawingml/2006/diagram" xmlns:a="http://schemas.openxmlformats.org/drawingml/2006/main" uniqueId="urn:microsoft.com/office/officeart/2005/8/quickstyle/simple1">
+  <dgm:title val=""/>
+  <dgm:desc val=""/>
+  <dgm:catLst>
+    <dgm:cat type="simple" pri="10100"/>
+  </dgm:catLst>
+  <dgm:scene3d>
+    <a:camera prst="orthographicFront"/>
+    <a:lightRig rig="threePt" dir="t"/>
+  </dgm:scene3d>
+  <dgm:styleLbl name="node0">
+    <dgm:scene3d>
+      <a:camera prst="orthographicFront"/>
+      <a:lightRig rig="threePt" dir="t"/>
+    </dgm:scene3d>
+    <dgm:sp3d/>
+    <dgm:txPr/>
+    <dgm:style>
+      <a:lnRef idx="2">
+        <a:scrgbClr r="0" g="0" b="0"/>
+      </a:lnRef>
+      <a:fillRef idx="1">
+        <a:scrgbClr r="0" g="0" b="0"/>
+      </a:fillRef>
+      <a:effectRef idx="0">
+        <a:scrgbClr r="0" g="0" b="0"/>
+      </a:effectRef>
+      <a:fontRef idx="minor">
+        <a:schemeClr val="lt1"/>
+      </a:fontRef>
+    </dgm:style>
+  </dgm:styleLbl>
+  <dgm:styleLbl name="lnNode1">
+    <dgm:scene3d>
+      <a:camera prst="orthographicFront"/>
+      <a:lightRig rig="threePt" dir="t"/>
+    </dgm:scene3d>
+    <dgm:sp3d/>
+    <dgm:txPr/>
+    <dgm:style>
+      <a:lnRef idx="2">
+        <a:scrgbClr r="0" g="0" b="0"/>
+      </a:lnRef>
+      <a:fillRef idx="1">
+        <a:scrgbClr r="0" g="0" b="0"/>
+      </a:fillRef>
+      <a:effectRef idx="0">
+        <a:scrgbClr r="0" g="0" b="0"/>
+      </a:effectRef>
+      <a:fontRef idx="minor">
+        <a:schemeClr val="lt1"/>
+      </a:fontRef>
+    </dgm:style>
+  </dgm:styleLbl>
+  <dgm:styleLbl name="vennNode1">
+    <dgm:scene3d>
+      <a:camera prst="orthographicFront"/>
+      <a:lightRig rig="threePt" dir="t"/>
+    </dgm:scene3d>
+    <dgm:sp3d/>
+    <dgm:txPr/>
+    <dgm:style>
+      <a:lnRef idx="2">
+        <a:scrgbClr r="0" g="0" b="0"/>
+      </a:lnRef>
+      <a:fillRef idx="1">
+        <a:scrgbClr r="0" g="0" b="0"/>
+      </a:fillRef>
+      <a:effectRef idx="0">
+        <a:scrgbClr r="0" g="0" b="0"/>
+      </a:effectRef>
+      <a:fontRef idx="minor">
+        <a:schemeClr val="tx1"/>
+      </a:fontRef>
+    </dgm:style>
+  </dgm:styleLbl>
+  <dgm:styleLbl name="alignNode1">
+    <dgm:scene3d>
+      <a:camera prst="orthographicFront"/>
+      <a:lightRig rig="threePt" dir="t"/>
+    </dgm:scene3d>
+    <dgm:sp3d/>
+    <dgm:txPr/>
+    <dgm:style>
+      <a:lnRef idx="2">
+        <a:scrgbClr r="0" g="0" b="0"/>
+      </a:lnRef>
+      <a:fillRef idx="1">
+        <a:scrgbClr r="0" g="0" b="0"/>
+      </a:fillRef>
+      <a:effectRef idx="0">
+        <a:scrgbClr r="0" g="0" b="0"/>
+      </a:effectRef>
+      <a:fontRef idx="minor">
+        <a:schemeClr val="lt1"/>
+      </a:fontRef>
+    </dgm:style>
+  </dgm:styleLbl>
+  <dgm:styleLbl name="node1">
+    <dgm:scene3d>
+      <a:camera prst="orthographicFront"/>
+      <a:lightRig rig="threePt" dir="t"/>
+    </dgm:scene3d>
+    <dgm:sp3d/>
+    <dgm:txPr/>
+    <dgm:style>
+      <a:lnRef idx="2">
+        <a:scrgbClr r="0" g="0" b="0"/>
+      </a:lnRef>
+      <a:fillRef idx="1">
+        <a:scrgbClr r="0" g="0" b="0"/>
+      </a:fillRef>
+      <a:effectRef idx="0">
+        <a:scrgbClr r="0" g="0" b="0"/>
+      </a:effectRef>
+      <a:fontRef idx="minor">
+        <a:schemeClr val="lt1"/>
+      </a:fontRef>
+    </dgm:style>
+  </dgm:styleLbl>
+  <dgm:styleLbl name="node2">
+    <dgm:scene3d>
+      <a:camera prst="orthographicFront"/>
+      <a:lightRig rig="threePt" dir="t"/>
+    </dgm:scene3d>
+    <dgm:sp3d/>
+    <dgm:txPr/>
+    <dgm:style>
+      <a:lnRef idx="2">
+        <a:scrgbClr r="0" g="0" b="0"/>
+      </a:lnRef>
+      <a:fillRef idx="1">
+        <a:scrgbClr r="0" g="0" b="0"/>
+      </a:fillRef>
+      <a:effectRef idx="0">
+        <a:scrgbClr r="0" g="0" b="0"/>
+      </a:effectRef>
+      <a:fontRef idx="minor">
+        <a:schemeClr val="lt1"/>
+      </a:fontRef>
+    </dgm:style>
+  </dgm:styleLbl>
+  <dgm:styleLbl name="node3">
+    <dgm:scene3d>
+      <a:camera prst="orthographicFront"/>
+      <a:lightRig rig="threePt" dir="t"/>
+    </dgm:scene3d>
+    <dgm:sp3d/>
+    <dgm:txPr/>
+    <dgm:style>
+      <a:lnRef idx="2">
+        <a:scrgbClr r="0" g="0" b="0"/>
+      </a:lnRef>
+      <a:fillRef idx="1">
+        <a:scrgbClr r="0" g="0" b="0"/>
+      </a:fillRef>
+      <a:effectRef idx="0">
+        <a:scrgbClr r="0" g="0" b="0"/>
+      </a:effectRef>
+      <a:fontRef idx="minor">
+        <a:schemeClr val="lt1"/>
+      </a:fontRef>
+    </dgm:style>
+  </dgm:styleLbl>
+  <dgm:styleLbl name="node4">
+    <dgm:scene3d>
+      <a:camera prst="orthographicFront"/>
+      <a:lightRig rig="threePt" dir="t"/>
+    </dgm:scene3d>
+    <dgm:sp3d/>
+    <dgm:txPr/>
+    <dgm:style>
+      <a:lnRef idx="2">
+        <a:scrgbClr r="0" g="0" b="0"/>
+      </a:lnRef>
+      <a:fillRef idx="1">
+        <a:scrgbClr r="0" g="0" b="0"/>
+      </a:fillRef>
+      <a:effectRef idx="0">
+        <a:scrgbClr r="0" g="0" b="0"/>
+      </a:effectRef>
+      <a:fontRef idx="minor">
+        <a:schemeClr val="lt1"/>
+      </a:fontRef>
+    </dgm:style>
+  </dgm:styleLbl>
+  <dgm:styleLbl name="fgImgPlace1">
+    <dgm:scene3d>
+      <a:camera prst="orthographicFront"/>
+      <a:lightRig rig="threePt" dir="t"/>
+    </dgm:scene3d>
+    <dgm:sp3d/>
+    <dgm:txPr/>
+    <dgm:style>
+      <a:lnRef idx="2">
+        <a:scrgbClr r="0" g="0" b="0"/>
+      </a:lnRef>
+      <a:fillRef idx="1">
+        <a:scrgbClr r="0" g="0" b="0"/>
+      </a:fillRef>
+      <a:effectRef idx="0">
+        <a:scrgbClr r="0" g="0" b="0"/>
+      </a:effectRef>
+      <a:fontRef idx="minor"/>
+    </dgm:style>
+  </dgm:styleLbl>
+  <dgm:styleLbl name="alignImgPlace1">
+    <dgm:scene3d>
+      <a:camera prst="orthographicFront"/>
+      <a:lightRig rig="threePt" dir="t"/>
+    </dgm:scene3d>
+    <dgm:sp3d/>
+    <dgm:txPr/>
+    <dgm:style>
+      <a:lnRef idx="2">
+        <a:scrgbClr r="0" g="0" b="0"/>
+      </a:lnRef>
+      <a:fillRef idx="1">
+        <a:scrgbClr r="0" g="0" b="0"/>
+      </a:fillRef>
+      <a:effectRef idx="0">
+        <a:scrgbClr r="0" g="0" b="0"/>
+      </a:effectRef>
+      <a:fontRef idx="minor"/>
+    </dgm:style>
+  </dgm:styleLbl>
+  <dgm:styleLbl name="bgImgPlace1">
+    <dgm:scene3d>
+      <a:camera prst="orthographicFront"/>
+      <a:lightRig rig="threePt" dir="t"/>
+    </dgm:scene3d>
+    <dgm:sp3d/>
+    <dgm:txPr/>
+    <dgm:style>
+      <a:lnRef idx="2">
+        <a:scrgbClr r="0" g="0" b="0"/>
+      </a:lnRef>
+      <a:fillRef idx="1">
+        <a:scrgbClr r="0" g="0" b="0"/>
+      </a:fillRef>
+      <a:effectRef idx="0">
+        <a:scrgbClr r="0" g="0" b="0"/>
+      </a:effectRef>
+      <a:fontRef idx="minor"/>
+    </dgm:style>
+  </dgm:styleLbl>
+  <dgm:styleLbl name="sibTrans2D1">
+    <dgm:scene3d>
+      <a:camera prst="orthographicFront"/>
+      <a:lightRig rig="threePt" dir="t"/>
+    </dgm:scene3d>
+    <dgm:sp3d/>
+    <dgm:txPr/>
+    <dgm:style>
+      <a:lnRef idx="0">
+        <a:scrgbClr r="0" g="0" b="0"/>
+      </a:lnRef>
+      <a:fillRef idx="1">
+        <a:scrgbClr r="0" g="0" b="0"/>
+      </a:fillRef>
+      <a:effectRef idx="0">
+        <a:scrgbClr r="0" g="0" b="0"/>
+      </a:effectRef>
+      <a:fontRef idx="minor">
+        <a:schemeClr val="lt1"/>
+      </a:fontRef>
+    </dgm:style>
+  </dgm:styleLbl>
+  <dgm:styleLbl name="fgSibTrans2D1">
+    <dgm:scene3d>
+      <a:camera prst="orthographicFront"/>
+      <a:lightRig rig="threePt" dir="t"/>
+    </dgm:scene3d>
+    <dgm:sp3d/>
+    <dgm:txPr/>
+    <dgm:style>
+      <a:lnRef idx="0">
+        <a:scrgbClr r="0" g="0" b="0"/>
+      </a:lnRef>
+      <a:fillRef idx="1">
+        <a:scrgbClr r="0" g="0" b="0"/>
+      </a:fillRef>
+      <a:effectRef idx="0">
+        <a:scrgbClr r="0" g="0" b="0"/>
+      </a:effectRef>
+      <a:fontRef idx="minor">
+        <a:schemeClr val="lt1"/>
+      </a:fontRef>
+    </dgm:style>
+  </dgm:styleLbl>
+  <dgm:styleLbl name="bgSibTrans2D1">
+    <dgm:scene3d>
+      <a:camera prst="orthographicFront"/>
+      <a:lightRig rig="threePt" dir="t"/>
+    </dgm:scene3d>
+    <dgm:sp3d/>
+    <dgm:txPr/>
+    <dgm:style>
+      <a:lnRef idx="0">
+        <a:scrgbClr r="0" g="0" b="0"/>
+      </a:lnRef>
+      <a:fillRef idx="1">
+        <a:scrgbClr r="0" g="0" b="0"/>
+      </a:fillRef>
+      <a:effectRef idx="0">
+        <a:scrgbClr r="0" g="0" b="0"/>
+      </a:effectRef>
+      <a:fontRef idx="minor">
+        <a:schemeClr val="lt1"/>
+      </a:fontRef>
+    </dgm:style>
+  </dgm:styleLbl>
+  <dgm:styleLbl name="sibTrans1D1">
+    <dgm:scene3d>
+      <a:camera prst="orthographicFront"/>
+      <a:lightRig rig="threePt" dir="t"/>
+    </dgm:scene3d>
+    <dgm:sp3d/>
+    <dgm:txPr/>
+    <dgm:style>
+      <a:lnRef idx="1">
+        <a:scrgbClr r="0" g="0" b="0"/>
+      </a:lnRef>
+      <a:fillRef idx="0">
+        <a:scrgbClr r="0" g="0" b="0"/>
+      </a:fillRef>
+      <a:effectRef idx="0">
+        <a:scrgbClr r="0" g="0" b="0"/>
+      </a:effectRef>
+      <a:fontRef idx="minor"/>
+    </dgm:style>
+  </dgm:styleLbl>
+  <dgm:styleLbl name="callout">
+    <dgm:scene3d>
+      <a:camera prst="orthographicFront"/>
+      <a:lightRig rig="threePt" dir="t"/>
+    </dgm:scene3d>
+    <dgm:sp3d/>
+    <dgm:txPr/>
+    <dgm:style>
+      <a:lnRef idx="2">
+        <a:scrgbClr r="0" g="0" b="0"/>
+      </a:lnRef>
+      <a:fillRef idx="1">
+        <a:scrgbClr r="0" g="0" b="0"/>
+      </a:fillRef>
+      <a:effectRef idx="0">
+        <a:scrgbClr r="0" g="0" b="0"/>
+      </a:effectRef>
+      <a:fontRef idx="minor"/>
+    </dgm:style>
+  </dgm:styleLbl>
+  <dgm:styleLbl name="asst0">
+    <dgm:scene3d>
+      <a:camera prst="orthographicFront"/>
+      <a:lightRig rig="threePt" dir="t"/>
+    </dgm:scene3d>
+    <dgm:sp3d/>
+    <dgm:txPr/>
+    <dgm:style>
+      <a:lnRef idx="2">
+        <a:scrgbClr r="0" g="0" b="0"/>
+      </a:lnRef>
+      <a:fillRef idx="1">
+        <a:scrgbClr r="0" g="0" b="0"/>
+      </a:fillRef>
+      <a:effectRef idx="0">
+        <a:scrgbClr r="0" g="0" b="0"/>
+      </a:effectRef>
+      <a:fontRef idx="minor">
+        <a:schemeClr val="lt1"/>
+      </a:fontRef>
+    </dgm:style>
+  </dgm:styleLbl>
+  <dgm:styleLbl name="asst1">
+    <dgm:scene3d>
+      <a:camera prst="orthographicFront"/>
+      <a:lightRig rig="threePt" dir="t"/>
+    </dgm:scene3d>
+    <dgm:sp3d/>
+    <dgm:txPr/>
+    <dgm:style>
+      <a:lnRef idx="2">
+        <a:scrgbClr r="0" g="0" b="0"/>
+      </a:lnRef>
+      <a:fillRef idx="1">
+        <a:scrgbClr r="0" g="0" b="0"/>
+      </a:fillRef>
+      <a:effectRef idx="0">
+        <a:scrgbClr r="0" g="0" b="0"/>
+      </a:effectRef>
+      <a:fontRef idx="minor">
+        <a:schemeClr val="lt1"/>
+      </a:fontRef>
+    </dgm:style>
+  </dgm:styleLbl>
+  <dgm:styleLbl name="asst2">
+    <dgm:scene3d>
+      <a:camera prst="orthographicFront"/>
+      <a:lightRig rig="threePt" dir="t"/>
+    </dgm:scene3d>
+    <dgm:sp3d/>
+    <dgm:txPr/>
+    <dgm:style>
+      <a:lnRef idx="2">
+        <a:scrgbClr r="0" g="0" b="0"/>
+      </a:lnRef>
+      <a:fillRef idx="1">
+        <a:scrgbClr r="0" g="0" b="0"/>
+      </a:fillRef>
+      <a:effectRef idx="0">
+        <a:scrgbClr r="0" g="0" b="0"/>
+      </a:effectRef>
+      <a:fontRef idx="minor">
+        <a:schemeClr val="lt1"/>
+      </a:fontRef>
+    </dgm:style>
+  </dgm:styleLbl>
+  <dgm:styleLbl name="asst3">
+    <dgm:scene3d>
+      <a:camera prst="orthographicFront"/>
+      <a:lightRig rig="threePt" dir="t"/>
+    </dgm:scene3d>
+    <dgm:sp3d/>
+    <dgm:txPr/>
+    <dgm:style>
+      <a:lnRef idx="2">
+        <a:scrgbClr r="0" g="0" b="0"/>
+      </a:lnRef>
+      <a:fillRef idx="1">
+        <a:scrgbClr r="0" g="0" b="0"/>
+      </a:fillRef>
+      <a:effectRef idx="0">
+        <a:scrgbClr r="0" g="0" b="0"/>
+      </a:effectRef>
+      <a:fontRef idx="minor">
+        <a:schemeClr val="lt1"/>
+      </a:fontRef>
+    </dgm:style>
+  </dgm:styleLbl>
+  <dgm:styleLbl name="asst4">
+    <dgm:scene3d>
+      <a:camera prst="orthographicFront"/>
+      <a:lightRig rig="threePt" dir="t"/>
+    </dgm:scene3d>
+    <dgm:sp3d/>
+    <dgm:txPr/>
+    <dgm:style>
+      <a:lnRef idx="2">
+        <a:scrgbClr r="0" g="0" b="0"/>
+      </a:lnRef>
+      <a:fillRef idx="1">
+        <a:scrgbClr r="0" g="0" b="0"/>
+      </a:fillRef>
+      <a:effectRef idx="0">
+        <a:scrgbClr r="0" g="0" b="0"/>
+      </a:effectRef>
+      <a:fontRef idx="minor">
+        <a:schemeClr val="lt1"/>
+      </a:fontRef>
+    </dgm:style>
+  </dgm:styleLbl>
+  <dgm:styleLbl name="parChTrans2D1">
+    <dgm:scene3d>
+      <a:camera prst="orthographicFront"/>
+      <a:lightRig rig="threePt" dir="t"/>
+    </dgm:scene3d>
+    <dgm:sp3d/>
+    <dgm:txPr/>
+    <dgm:style>
+      <a:lnRef idx="2">
+        <a:scrgbClr r="0" g="0" b="0"/>
+      </a:lnRef>
+      <a:fillRef idx="1">
+        <a:scrgbClr r="0" g="0" b="0"/>
+      </a:fillRef>
+      <a:effectRef idx="0">
+        <a:scrgbClr r="0" g="0" b="0"/>
+      </a:effectRef>
+      <a:fontRef idx="minor">
+        <a:schemeClr val="lt1"/>
+      </a:fontRef>
+    </dgm:style>
+  </dgm:styleLbl>
+  <dgm:styleLbl name="parChTrans2D2">
+    <dgm:scene3d>
+      <a:camera prst="orthographicFront"/>
+      <a:lightRig rig="threePt" dir="t"/>
+    </dgm:scene3d>
+    <dgm:sp3d/>
+    <dgm:txPr/>
+    <dgm:style>
+      <a:lnRef idx="2">
+        <a:scrgbClr r="0" g="0" b="0"/>
+      </a:lnRef>
+      <a:fillRef idx="1">
+        <a:scrgbClr r="0" g="0" b="0"/>
+      </a:fillRef>
+      <a:effectRef idx="0">
+        <a:scrgbClr r="0" g="0" b="0"/>
+      </a:effectRef>
+      <a:fontRef idx="minor">
+        <a:schemeClr val="lt1"/>
+      </a:fontRef>
+    </dgm:style>
+  </dgm:styleLbl>
+  <dgm:styleLbl name="parChTrans2D3">
+    <dgm:scene3d>
+      <a:camera prst="orthographicFront"/>
+      <a:lightRig rig="threePt" dir="t"/>
+    </dgm:scene3d>
+    <dgm:sp3d/>
+    <dgm:txPr/>
+    <dgm:style>
+      <a:lnRef idx="2">
+        <a:scrgbClr r="0" g="0" b="0"/>
+      </a:lnRef>
+      <a:fillRef idx="1">
+        <a:scrgbClr r="0" g="0" b="0"/>
+      </a:fillRef>
+      <a:effectRef idx="0">
+        <a:scrgbClr r="0" g="0" b="0"/>
+      </a:effectRef>
+      <a:fontRef idx="minor">
+        <a:schemeClr val="lt1"/>
+      </a:fontRef>
+    </dgm:style>
+  </dgm:styleLbl>
+  <dgm:styleLbl name="parChTrans2D4">
+    <dgm:scene3d>
+      <a:camera prst="orthographicFront"/>
+      <a:lightRig rig="threePt" dir="t"/>
+    </dgm:scene3d>
+    <dgm:sp3d/>
+    <dgm:txPr/>
+    <dgm:style>
+      <a:lnRef idx="2">
+        <a:scrgbClr r="0" g="0" b="0"/>
+      </a:lnRef>
+      <a:fillRef idx="1">
+        <a:scrgbClr r="0" g="0" b="0"/>
+      </a:fillRef>
+      <a:effectRef idx="0">
+        <a:scrgbClr r="0" g="0" b="0"/>
+      </a:effectRef>
+      <a:fontRef idx="minor">
+        <a:schemeClr val="lt1"/>
+      </a:fontRef>
+    </dgm:style>
+  </dgm:styleLbl>
+  <dgm:styleLbl name="parChTrans1D1">
+    <dgm:scene3d>
+      <a:camera prst="orthographicFront"/>
+      <a:lightRig rig="threePt" dir="t"/>
+    </dgm:scene3d>
+    <dgm:sp3d/>
+    <dgm:txPr/>
+    <dgm:style>
+      <a:lnRef idx="2">
+        <a:scrgbClr r="0" g="0" b="0"/>
+      </a:lnRef>
+      <a:fillRef idx="0">
+        <a:scrgbClr r="0" g="0" b="0"/>
+      </a:fillRef>
+      <a:effectRef idx="0">
+        <a:scrgbClr r="0" g="0" b="0"/>
+      </a:effectRef>
+      <a:fontRef idx="minor"/>
+    </dgm:style>
+  </dgm:styleLbl>
+  <dgm:styleLbl name="parChTrans1D2">
+    <dgm:scene3d>
+      <a:camera prst="orthographicFront"/>
+      <a:lightRig rig="threePt" dir="t"/>
+    </dgm:scene3d>
+    <dgm:sp3d/>
+    <dgm:txPr/>
+    <dgm:style>
+      <a:lnRef idx="2">
+        <a:scrgbClr r="0" g="0" b="0"/>
+      </a:lnRef>
+      <a:fillRef idx="0">
+        <a:scrgbClr r="0" g="0" b="0"/>
+      </a:fillRef>
+      <a:effectRef idx="0">
+        <a:scrgbClr r="0" g="0" b="0"/>
+      </a:effectRef>
+      <a:fontRef idx="minor"/>
+    </dgm:style>
+  </dgm:styleLbl>
+  <dgm:styleLbl name="parChTrans1D3">
+    <dgm:scene3d>
+      <a:camera prst="orthographicFront"/>
+      <a:lightRig rig="threePt" dir="t"/>
+    </dgm:scene3d>
+    <dgm:sp3d/>
+    <dgm:txPr/>
+    <dgm:style>
+      <a:lnRef idx="2">
+        <a:scrgbClr r="0" g="0" b="0"/>
+      </a:lnRef>
+      <a:fillRef idx="0">
+        <a:scrgbClr r="0" g="0" b="0"/>
+      </a:fillRef>
+      <a:effectRef idx="0">
+        <a:scrgbClr r="0" g="0" b="0"/>
+      </a:effectRef>
+      <a:fontRef idx="minor"/>
+    </dgm:style>
+  </dgm:styleLbl>
+  <dgm:styleLbl name="parChTrans1D4">
+    <dgm:scene3d>
+      <a:camera prst="orthographicFront"/>
+      <a:lightRig rig="threePt" dir="t"/>
+    </dgm:scene3d>
+    <dgm:sp3d/>
+    <dgm:txPr/>
+    <dgm:style>
+      <a:lnRef idx="2">
+        <a:scrgbClr r="0" g="0" b="0"/>
+      </a:lnRef>
+      <a:fillRef idx="0">
+        <a:scrgbClr r="0" g="0" b="0"/>
+      </a:fillRef>
+      <a:effectRef idx="0">
+        <a:scrgbClr r="0" g="0" b="0"/>
+      </a:effectRef>
+      <a:fontRef idx="minor"/>
+    </dgm:style>
+  </dgm:styleLbl>
+  <dgm:styleLbl name="fgAcc1">
+    <dgm:scene3d>
+      <a:camera prst="orthographicFront"/>
+      <a:lightRig rig="threePt" dir="t"/>
+    </dgm:scene3d>
+    <dgm:sp3d/>
+    <dgm:txPr/>
+    <dgm:style>
+      <a:lnRef idx="2">
+        <a:scrgbClr r="0" g="0" b="0"/>
+      </a:lnRef>
+      <a:fillRef idx="1">
+        <a:scrgbClr r="0" g="0" b="0"/>
+      </a:fillRef>
+      <a:effectRef idx="0">
+        <a:scrgbClr r="0" g="0" b="0"/>
+      </a:effectRef>
+      <a:fontRef idx="minor"/>
+    </dgm:style>
+  </dgm:styleLbl>
+  <dgm:styleLbl name="conFgAcc1">
+    <dgm:scene3d>
+      <a:camera prst="orthographicFront"/>
+      <a:lightRig rig="threePt" dir="t"/>
+    </dgm:scene3d>
+    <dgm:sp3d/>
+    <dgm:txPr/>
+    <dgm:style>
+      <a:lnRef idx="2">
+        <a:scrgbClr r="0" g="0" b="0"/>
+      </a:lnRef>
+      <a:fillRef idx="1">
+        <a:scrgbClr r="0" g="0" b="0"/>
+      </a:fillRef>
+      <a:effectRef idx="0">
+        <a:scrgbClr r="0" g="0" b="0"/>
+      </a:effectRef>
+      <a:fontRef idx="minor"/>
+    </dgm:style>
+  </dgm:styleLbl>
+  <dgm:styleLbl name="alignAcc1">
+    <dgm:scene3d>
+      <a:camera prst="orthographicFront"/>
+      <a:lightRig rig="threePt" dir="t"/>
+    </dgm:scene3d>
+    <dgm:sp3d/>
+    <dgm:txPr/>
+    <dgm:style>
+      <a:lnRef idx="2">
+        <a:scrgbClr r="0" g="0" b="0"/>
+      </a:lnRef>
+      <a:fillRef idx="1">
+        <a:scrgbClr r="0" g="0" b="0"/>
+      </a:fillRef>
+      <a:effectRef idx="0">
+        <a:scrgbClr r="0" g="0" b="0"/>
+      </a:effectRef>
+      <a:fontRef idx="minor"/>
+    </dgm:style>
+  </dgm:styleLbl>
+  <dgm:styleLbl name="trAlignAcc1">
+    <dgm:scene3d>
+      <a:camera prst="orthographicFront"/>
+      <a:lightRig rig="threePt" dir="t"/>
+    </dgm:scene3d>
+    <dgm:sp3d/>
+    <dgm:txPr/>
+    <dgm:style>
+      <a:lnRef idx="1">
+        <a:scrgbClr r="0" g="0" b="0"/>
+      </a:lnRef>
+      <a:fillRef idx="1">
+        <a:scrgbClr r="0" g="0" b="0"/>
+      </a:fillRef>
+      <a:effectRef idx="0">
+        <a:scrgbClr r="0" g="0" b="0"/>
+      </a:effectRef>
+      <a:fontRef idx="minor"/>
+    </dgm:style>
+  </dgm:styleLbl>
+  <dgm:styleLbl name="bgAcc1">
+    <dgm:scene3d>
+      <a:camera prst="orthographicFront"/>
+      <a:lightRig rig="threePt" dir="t"/>
+    </dgm:scene3d>
+    <dgm:sp3d/>
+    <dgm:txPr/>
+    <dgm:style>
+      <a:lnRef idx="2">
+        <a:scrgbClr r="0" g="0" b="0"/>
+      </a:lnRef>
+      <a:fillRef idx="1">
+        <a:scrgbClr r="0" g="0" b="0"/>
+      </a:fillRef>
+      <a:effectRef idx="0">
+        <a:scrgbClr r="0" g="0" b="0"/>
+      </a:effectRef>
+      <a:fontRef idx="minor"/>
+    </dgm:style>
+  </dgm:styleLbl>
+  <dgm:styleLbl name="solidFgAcc1">
+    <dgm:scene3d>
+      <a:camera prst="orthographicFront"/>
+      <a:lightRig rig="threePt" dir="t"/>
+    </dgm:scene3d>
+    <dgm:sp3d/>
+    <dgm:txPr/>
+    <dgm:style>
+      <a:lnRef idx="2">
+        <a:scrgbClr r="0" g="0" b="0"/>
+      </a:lnRef>
+      <a:fillRef idx="1">
+        <a:scrgbClr r="0" g="0" b="0"/>
+      </a:fillRef>
+      <a:effectRef idx="0">
+        <a:scrgbClr r="0" g="0" b="0"/>
+      </a:effectRef>
+      <a:fontRef idx="minor"/>
+    </dgm:style>
+  </dgm:styleLbl>
+  <dgm:styleLbl name="solidAlignAcc1">
+    <dgm:scene3d>
+      <a:camera prst="orthographicFront"/>
+      <a:lightRig rig="threePt" dir="t"/>
+    </dgm:scene3d>
+    <dgm:sp3d/>
+    <dgm:txPr/>
+    <dgm:style>
+      <a:lnRef idx="2">
+        <a:scrgbClr r="0" g="0" b="0"/>
+      </a:lnRef>
+      <a:fillRef idx="1">
+        <a:scrgbClr r="0" g="0" b="0"/>
+      </a:fillRef>
+      <a:effectRef idx="0">
+        <a:scrgbClr r="0" g="0" b="0"/>
+      </a:effectRef>
+      <a:fontRef idx="minor"/>
+    </dgm:style>
+  </dgm:styleLbl>
+  <dgm:styleLbl name="solidBgAcc1">
+    <dgm:scene3d>
+      <a:camera prst="orthographicFront"/>
+      <a:lightRig rig="threePt" dir="t"/>
+    </dgm:scene3d>
+    <dgm:sp3d/>
+    <dgm:txPr/>
+    <dgm:style>
+      <a:lnRef idx="2">
+        <a:scrgbClr r="0" g="0" b="0"/>
+      </a:lnRef>
+      <a:fillRef idx="1">
+        <a:scrgbClr r="0" g="0" b="0"/>
+      </a:fillRef>
+      <a:effectRef idx="0">
+        <a:scrgbClr r="0" g="0" b="0"/>
+      </a:effectRef>
+      <a:fontRef idx="minor"/>
+    </dgm:style>
+  </dgm:styleLbl>
+  <dgm:styleLbl name="fgAccFollowNode1">
+    <dgm:scene3d>
+      <a:camera prst="orthographicFront"/>
+      <a:lightRig rig="threePt" dir="t"/>
+    </dgm:scene3d>
+    <dgm:sp3d/>
+    <dgm:txPr/>
+    <dgm:style>
+      <a:lnRef idx="2">
+        <a:scrgbClr r="0" g="0" b="0"/>
+      </a:lnRef>
+      <a:fillRef idx="1">
+        <a:scrgbClr r="0" g="0" b="0"/>
+      </a:fillRef>
+      <a:effectRef idx="0">
+        <a:scrgbClr r="0" g="0" b="0"/>
+      </a:effectRef>
+      <a:fontRef idx="minor"/>
+    </dgm:style>
+  </dgm:styleLbl>
+  <dgm:styleLbl name="alignAccFollowNode1">
+    <dgm:scene3d>
+      <a:camera prst="orthographicFront"/>
+      <a:lightRig rig="threePt" dir="t"/>
+    </dgm:scene3d>
+    <dgm:sp3d/>
+    <dgm:txPr/>
+    <dgm:style>
+      <a:lnRef idx="2">
+        <a:scrgbClr r="0" g="0" b="0"/>
+      </a:lnRef>
+      <a:fillRef idx="1">
+        <a:scrgbClr r="0" g="0" b="0"/>
+      </a:fillRef>
+      <a:effectRef idx="0">
+        <a:scrgbClr r="0" g="0" b="0"/>
+      </a:effectRef>
+      <a:fontRef idx="minor"/>
+    </dgm:style>
+  </dgm:styleLbl>
+  <dgm:styleLbl name="bgAccFollowNode1">
+    <dgm:scene3d>
+      <a:camera prst="orthographicFront"/>
+      <a:lightRig rig="threePt" dir="t"/>
+    </dgm:scene3d>
+    <dgm:sp3d/>
+    <dgm:txPr/>
+    <dgm:style>
+      <a:lnRef idx="2">
+        <a:scrgbClr r="0" g="0" b="0"/>
+      </a:lnRef>
+      <a:fillRef idx="1">
+        <a:scrgbClr r="0" g="0" b="0"/>
+      </a:fillRef>
+      <a:effectRef idx="0">
+        <a:scrgbClr r="0" g="0" b="0"/>
+      </a:effectRef>
+      <a:fontRef idx="minor"/>
+    </dgm:style>
+  </dgm:styleLbl>
+  <dgm:styleLbl name="fgAcc0">
+    <dgm:scene3d>
+      <a:camera prst="orthographicFront"/>
+      <a:lightRig rig="threePt" dir="t"/>
+    </dgm:scene3d>
+    <dgm:sp3d/>
+    <dgm:txPr/>
+    <dgm:style>
+      <a:lnRef idx="2">
+        <a:scrgbClr r="0" g="0" b="0"/>
+      </a:lnRef>
+      <a:fillRef idx="1">
+        <a:scrgbClr r="0" g="0" b="0"/>
+      </a:fillRef>
+      <a:effectRef idx="0">
+        <a:scrgbClr r="0" g="0" b="0"/>
+      </a:effectRef>
+      <a:fontRef idx="minor"/>
+    </dgm:style>
+  </dgm:styleLbl>
+  <dgm:styleLbl name="fgAcc2">
+    <dgm:scene3d>
+      <a:camera prst="orthographicFront"/>
+      <a:lightRig rig="threePt" dir="t"/>
+    </dgm:scene3d>
+    <dgm:sp3d/>
+    <dgm:txPr/>
+    <dgm:style>
+      <a:lnRef idx="2">
+        <a:scrgbClr r="0" g="0" b="0"/>
+      </a:lnRef>
+      <a:fillRef idx="1">
+        <a:scrgbClr r="0" g="0" b="0"/>
+      </a:fillRef>
+      <a:effectRef idx="0">
+        <a:scrgbClr r="0" g="0" b="0"/>
+      </a:effectRef>
+      <a:fontRef idx="minor"/>
+    </dgm:style>
+  </dgm:styleLbl>
+  <dgm:styleLbl name="fgAcc3">
+    <dgm:scene3d>
+      <a:camera prst="orthographicFront"/>
+      <a:lightRig rig="threePt" dir="t"/>
+    </dgm:scene3d>
+    <dgm:sp3d/>
+    <dgm:txPr/>
+    <dgm:style>
+      <a:lnRef idx="2">
+        <a:scrgbClr r="0" g="0" b="0"/>
+      </a:lnRef>
+      <a:fillRef idx="1">
+        <a:scrgbClr r="0" g="0" b="0"/>
+      </a:fillRef>
+      <a:effectRef idx="0">
+        <a:scrgbClr r="0" g="0" b="0"/>
+      </a:effectRef>
+      <a:fontRef idx="minor"/>
+    </dgm:style>
+  </dgm:styleLbl>
+  <dgm:styleLbl name="fgAcc4">
+    <dgm:scene3d>
+      <a:camera prst="orthographicFront"/>
+      <a:lightRig rig="threePt" dir="t"/>
+    </dgm:scene3d>
+    <dgm:sp3d/>
+    <dgm:txPr/>
+    <dgm:style>
+      <a:lnRef idx="2">
+        <a:scrgbClr r="0" g="0" b="0"/>
+      </a:lnRef>
+      <a:fillRef idx="1">
+        <a:scrgbClr r="0" g="0" b="0"/>
+      </a:fillRef>
+      <a:effectRef idx="0">
+        <a:scrgbClr r="0" g="0" b="0"/>
+      </a:effectRef>
+      <a:fontRef idx="minor"/>
+    </dgm:style>
+  </dgm:styleLbl>
+  <dgm:styleLbl name="bgShp">
+    <dgm:scene3d>
+      <a:camera prst="orthographicFront"/>
+      <a:lightRig rig="threePt" dir="t"/>
+    </dgm:scene3d>
+    <dgm:sp3d/>
+    <dgm:txPr/>
+    <dgm:style>
+      <a:lnRef idx="0">
+        <a:scrgbClr r="0" g="0" b="0"/>
+      </a:lnRef>
+      <a:fillRef idx="1">
+        <a:scrgbClr r="0" g="0" b="0"/>
+      </a:fillRef>
+      <a:effectRef idx="0">
+        <a:scrgbClr r="0" g="0" b="0"/>
+      </a:effectRef>
+      <a:fontRef idx="minor"/>
+    </dgm:style>
+  </dgm:styleLbl>
+  <dgm:styleLbl name="dkBgShp">
+    <dgm:scene3d>
+      <a:camera prst="orthographicFront"/>
+      <a:lightRig rig="threePt" dir="t"/>
+    </dgm:scene3d>
+    <dgm:sp3d/>
+    <dgm:txPr/>
+    <dgm:style>
+      <a:lnRef idx="0">
+        <a:scrgbClr r="0" g="0" b="0"/>
+      </a:lnRef>
+      <a:fillRef idx="1">
+        <a:scrgbClr r="0" g="0" b="0"/>
+      </a:fillRef>
+      <a:effectRef idx="0">
+        <a:scrgbClr r="0" g="0" b="0"/>
+      </a:effectRef>
+      <a:fontRef idx="minor"/>
+    </dgm:style>
+  </dgm:styleLbl>
+  <dgm:styleLbl name="trBgShp">
+    <dgm:scene3d>
+      <a:camera prst="orthographicFront"/>
+      <a:lightRig rig="threePt" dir="t"/>
+    </dgm:scene3d>
+    <dgm:sp3d/>
+    <dgm:txPr/>
+    <dgm:style>
+      <a:lnRef idx="0">
+        <a:scrgbClr r="0" g="0" b="0"/>
+      </a:lnRef>
+      <a:fillRef idx="1">
+        <a:scrgbClr r="0" g="0" b="0"/>
+      </a:fillRef>
+      <a:effectRef idx="0">
+        <a:scrgbClr r="0" g="0" b="0"/>
+      </a:effectRef>
+      <a:fontRef idx="minor"/>
+    </dgm:style>
+  </dgm:styleLbl>
+  <dgm:styleLbl name="fgShp">
+    <dgm:scene3d>
+      <a:camera prst="orthographicFront"/>
+      <a:lightRig rig="threePt" dir="t"/>
+    </dgm:scene3d>
+    <dgm:sp3d/>
+    <dgm:txPr/>
+    <dgm:style>
+      <a:lnRef idx="2">
+        <a:scrgbClr r="0" g="0" b="0"/>
+      </a:lnRef>
+      <a:fillRef idx="1">
+        <a:scrgbClr r="0" g="0" b="0"/>
+      </a:fillRef>
+      <a:effectRef idx="0">
+        <a:scrgbClr r="0" g="0" b="0"/>
+      </a:effectRef>
+      <a:fontRef idx="minor"/>
+    </dgm:style>
+  </dgm:styleLbl>
+  <dgm:styleLbl name="revTx">
+    <dgm:scene3d>
+      <a:camera prst="orthographicFront"/>
+      <a:lightRig rig="threePt" dir="t"/>
+    </dgm:scene3d>
+    <dgm:sp3d/>
+    <dgm:txPr/>
+    <dgm:style>
+      <a:lnRef idx="0">
+        <a:scrgbClr r="0" g="0" b="0"/>
+      </a:lnRef>
+      <a:fillRef idx="0">
+        <a:scrgbClr r="0" g="0" b="0"/>
+      </a:fillRef>
+      <a:effectRef idx="0">
+        <a:scrgbClr r="0" g="0" b="0"/>
+      </a:effectRef>
+      <a:fontRef idx="minor"/>
+    </dgm:style>
+  </dgm:styleLbl>
+</dgm:styleDef>
+</file>
+
+<file path=ppt/diagrams/quickStyle2.xml><?xml version="1.0" encoding="utf-8"?>
 <dgm:styleDef xmlns:dgm="http://schemas.openxmlformats.org/drawingml/2006/diagram" xmlns:a="http://schemas.openxmlformats.org/drawingml/2006/main" uniqueId="urn:microsoft.com/office/officeart/2005/8/quickstyle/simple1">
   <dgm:title val=""/>
   <dgm:desc val=""/>
@@ -8155,8 +11436,8 @@
         </p:nvSpPr>
         <p:spPr>
           <a:xfrm>
-            <a:off x="3150706" y="440659"/>
-            <a:ext cx="6461380" cy="3153459"/>
+            <a:off x="3150705" y="440659"/>
+            <a:ext cx="8351483" cy="3153459"/>
           </a:xfrm>
         </p:spPr>
         <p:txBody>
@@ -8165,8 +11446,26 @@
           <a:p>
             <a:r>
               <a:rPr lang="en-US" sz="6000" dirty="0"/>
-              <a:t>Rail Accident Prediction</a:t>
+              <a:t>US Highway </a:t>
             </a:r>
+            <a:r>
+              <a:rPr lang="en-US" sz="6000" dirty="0" err="1"/>
+              <a:t>RailRoad</a:t>
+            </a:r>
+            <a:r>
+              <a:rPr lang="en-US" sz="6000" dirty="0"/>
+              <a:t> Crossing Accident</a:t>
+            </a:r>
+            <a:br>
+              <a:rPr lang="en-US" sz="3200" b="1" i="0" dirty="0">
+                <a:solidFill>
+                  <a:srgbClr val="202124"/>
+                </a:solidFill>
+                <a:effectLst/>
+                <a:latin typeface="zeitung"/>
+              </a:rPr>
+            </a:br>
+            <a:endParaRPr lang="en-US" sz="6000" dirty="0"/>
           </a:p>
         </p:txBody>
       </p:sp>
@@ -8372,31 +11671,37 @@
           </a:p>
         </p:txBody>
       </p:sp>
-      <p:sp>
-        <p:nvSpPr>
-          <p:cNvPr id="4" name="Content Placeholder 3">
+      <p:graphicFrame>
+        <p:nvGraphicFramePr>
+          <p:cNvPr id="6" name="Content Placeholder 3">
             <a:extLst>
               <a:ext uri="{FF2B5EF4-FFF2-40B4-BE49-F238E27FC236}">
-                <a16:creationId xmlns:a16="http://schemas.microsoft.com/office/drawing/2014/main" id="{1AA924E0-193B-9EBB-A26E-C12B67876454}"/>
+                <a16:creationId xmlns:a16="http://schemas.microsoft.com/office/drawing/2014/main" id="{D429D7EB-4735-794C-33D3-514A9571C9EE}"/>
               </a:ext>
             </a:extLst>
           </p:cNvPr>
-          <p:cNvSpPr>
-            <a:spLocks noGrp="1"/>
-          </p:cNvSpPr>
+          <p:cNvGraphicFramePr>
+            <a:graphicFrameLocks noGrp="1"/>
+          </p:cNvGraphicFramePr>
           <p:nvPr>
             <p:ph idx="1"/>
+            <p:extLst>
+              <p:ext uri="{D42A27DB-BD31-4B8C-83A1-F6EECF244321}">
+                <p14:modId xmlns:p14="http://schemas.microsoft.com/office/powerpoint/2010/main" val="56137908"/>
+              </p:ext>
+            </p:extLst>
           </p:nvPr>
-        </p:nvSpPr>
-        <p:spPr/>
-        <p:txBody>
-          <a:bodyPr/>
-          <a:lstStyle/>
-          <a:p>
-            <a:endParaRPr lang="en-US"/>
-          </a:p>
-        </p:txBody>
-      </p:sp>
+        </p:nvGraphicFramePr>
+        <p:xfrm>
+          <a:off x="457717" y="1268749"/>
+          <a:ext cx="10986721" cy="4496783"/>
+        </p:xfrm>
+        <a:graphic>
+          <a:graphicData uri="http://schemas.openxmlformats.org/drawingml/2006/diagram">
+            <dgm:relIds xmlns:dgm="http://schemas.openxmlformats.org/drawingml/2006/diagram" xmlns:r="http://schemas.openxmlformats.org/officeDocument/2006/relationships" r:dm="rId2" r:lo="rId3" r:qs="rId4" r:cs="rId5"/>
+          </a:graphicData>
+        </a:graphic>
+      </p:graphicFrame>
     </p:spTree>
     <p:extLst>
       <p:ext uri="{BB962C8B-B14F-4D97-AF65-F5344CB8AC3E}">
@@ -8443,7 +11748,7 @@
             <p:ph idx="1"/>
             <p:extLst>
               <p:ext uri="{D42A27DB-BD31-4B8C-83A1-F6EECF244321}">
-                <p14:modId xmlns:p14="http://schemas.microsoft.com/office/powerpoint/2010/main" val="2089510762"/>
+                <p14:modId xmlns:p14="http://schemas.microsoft.com/office/powerpoint/2010/main" val="660760590"/>
               </p:ext>
             </p:extLst>
           </p:nvPr>
@@ -8690,6 +11995,422 @@
           </a:p>
         </p:txBody>
       </p:sp>
+      <p:sp>
+        <p:nvSpPr>
+          <p:cNvPr id="3" name="Content Placeholder 2">
+            <a:extLst>
+              <a:ext uri="{FF2B5EF4-FFF2-40B4-BE49-F238E27FC236}">
+                <a16:creationId xmlns:a16="http://schemas.microsoft.com/office/drawing/2014/main" id="{632E30A7-DC13-9D79-DA6C-40A8D3A7B160}"/>
+              </a:ext>
+            </a:extLst>
+          </p:cNvPr>
+          <p:cNvSpPr txBox="1">
+            <a:spLocks/>
+          </p:cNvSpPr>
+          <p:nvPr/>
+        </p:nvSpPr>
+        <p:spPr>
+          <a:xfrm>
+            <a:off x="838200" y="2178704"/>
+            <a:ext cx="7665720" cy="1884226"/>
+          </a:xfrm>
+          <a:prstGeom prst="rect">
+            <a:avLst/>
+          </a:prstGeom>
+        </p:spPr>
+        <p:txBody>
+          <a:bodyPr/>
+          <a:lstStyle>
+            <a:lvl1pPr marL="0" indent="0" algn="l" defTabSz="914400" rtl="0" eaLnBrk="1" latinLnBrk="0" hangingPunct="1">
+              <a:lnSpc>
+                <a:spcPct val="90000"/>
+              </a:lnSpc>
+              <a:spcBef>
+                <a:spcPts val="1000"/>
+              </a:spcBef>
+              <a:buFont typeface="Arial" panose="020B0604020202020204" pitchFamily="34" charset="0"/>
+              <a:buNone/>
+              <a:defRPr sz="2800" kern="1200">
+                <a:solidFill>
+                  <a:srgbClr val="595959"/>
+                </a:solidFill>
+                <a:latin typeface="Arial"/>
+                <a:ea typeface="+mn-ea"/>
+                <a:cs typeface="Arial"/>
+              </a:defRPr>
+            </a:lvl1pPr>
+            <a:lvl2pPr marL="685800" indent="-228600" algn="l" defTabSz="914400" rtl="0" eaLnBrk="1" latinLnBrk="0" hangingPunct="1">
+              <a:lnSpc>
+                <a:spcPct val="90000"/>
+              </a:lnSpc>
+              <a:spcBef>
+                <a:spcPts val="500"/>
+              </a:spcBef>
+              <a:buFont typeface="Arial" panose="020B0604020202020204" pitchFamily="34" charset="0"/>
+              <a:buChar char="•"/>
+              <a:defRPr sz="2400" kern="1200">
+                <a:solidFill>
+                  <a:schemeClr val="tx1"/>
+                </a:solidFill>
+                <a:latin typeface="Arial"/>
+                <a:ea typeface="+mn-ea"/>
+                <a:cs typeface="Arial"/>
+              </a:defRPr>
+            </a:lvl2pPr>
+            <a:lvl3pPr marL="1143000" indent="-228600" algn="l" defTabSz="914400" rtl="0" eaLnBrk="1" latinLnBrk="0" hangingPunct="1">
+              <a:lnSpc>
+                <a:spcPct val="90000"/>
+              </a:lnSpc>
+              <a:spcBef>
+                <a:spcPts val="500"/>
+              </a:spcBef>
+              <a:buFont typeface="Arial" panose="020B0604020202020204" pitchFamily="34" charset="0"/>
+              <a:buChar char="•"/>
+              <a:defRPr sz="2000" kern="1200">
+                <a:solidFill>
+                  <a:schemeClr val="tx1"/>
+                </a:solidFill>
+                <a:latin typeface="Arial"/>
+                <a:ea typeface="+mn-ea"/>
+                <a:cs typeface="Arial"/>
+              </a:defRPr>
+            </a:lvl3pPr>
+            <a:lvl4pPr marL="1600200" indent="-228600" algn="l" defTabSz="914400" rtl="0" eaLnBrk="1" latinLnBrk="0" hangingPunct="1">
+              <a:lnSpc>
+                <a:spcPct val="90000"/>
+              </a:lnSpc>
+              <a:spcBef>
+                <a:spcPts val="500"/>
+              </a:spcBef>
+              <a:buFont typeface="Arial" panose="020B0604020202020204" pitchFamily="34" charset="0"/>
+              <a:buChar char="•"/>
+              <a:defRPr sz="1800" kern="1200">
+                <a:solidFill>
+                  <a:schemeClr val="tx1"/>
+                </a:solidFill>
+                <a:latin typeface="Arial"/>
+                <a:ea typeface="+mn-ea"/>
+                <a:cs typeface="Arial"/>
+              </a:defRPr>
+            </a:lvl4pPr>
+            <a:lvl5pPr marL="2057400" indent="-228600" algn="l" defTabSz="914400" rtl="0" eaLnBrk="1" latinLnBrk="0" hangingPunct="1">
+              <a:lnSpc>
+                <a:spcPct val="90000"/>
+              </a:lnSpc>
+              <a:spcBef>
+                <a:spcPts val="500"/>
+              </a:spcBef>
+              <a:buFont typeface="Arial" panose="020B0604020202020204" pitchFamily="34" charset="0"/>
+              <a:buChar char="•"/>
+              <a:defRPr sz="1800" kern="1200">
+                <a:solidFill>
+                  <a:schemeClr val="tx1"/>
+                </a:solidFill>
+                <a:latin typeface="Arial"/>
+                <a:ea typeface="+mn-ea"/>
+                <a:cs typeface="Arial"/>
+              </a:defRPr>
+            </a:lvl5pPr>
+            <a:lvl6pPr marL="2514600" indent="-228600" algn="l" defTabSz="914400" rtl="0" eaLnBrk="1" latinLnBrk="0" hangingPunct="1">
+              <a:lnSpc>
+                <a:spcPct val="90000"/>
+              </a:lnSpc>
+              <a:spcBef>
+                <a:spcPts val="500"/>
+              </a:spcBef>
+              <a:buFont typeface="Arial" panose="020B0604020202020204" pitchFamily="34" charset="0"/>
+              <a:buChar char="•"/>
+              <a:defRPr sz="1800" kern="1200">
+                <a:solidFill>
+                  <a:schemeClr val="tx1"/>
+                </a:solidFill>
+                <a:latin typeface="+mn-lt"/>
+                <a:ea typeface="+mn-ea"/>
+                <a:cs typeface="+mn-cs"/>
+              </a:defRPr>
+            </a:lvl6pPr>
+            <a:lvl7pPr marL="2971800" indent="-228600" algn="l" defTabSz="914400" rtl="0" eaLnBrk="1" latinLnBrk="0" hangingPunct="1">
+              <a:lnSpc>
+                <a:spcPct val="90000"/>
+              </a:lnSpc>
+              <a:spcBef>
+                <a:spcPts val="500"/>
+              </a:spcBef>
+              <a:buFont typeface="Arial" panose="020B0604020202020204" pitchFamily="34" charset="0"/>
+              <a:buChar char="•"/>
+              <a:defRPr sz="1800" kern="1200">
+                <a:solidFill>
+                  <a:schemeClr val="tx1"/>
+                </a:solidFill>
+                <a:latin typeface="+mn-lt"/>
+                <a:ea typeface="+mn-ea"/>
+                <a:cs typeface="+mn-cs"/>
+              </a:defRPr>
+            </a:lvl7pPr>
+            <a:lvl8pPr marL="3429000" indent="-228600" algn="l" defTabSz="914400" rtl="0" eaLnBrk="1" latinLnBrk="0" hangingPunct="1">
+              <a:lnSpc>
+                <a:spcPct val="90000"/>
+              </a:lnSpc>
+              <a:spcBef>
+                <a:spcPts val="500"/>
+              </a:spcBef>
+              <a:buFont typeface="Arial" panose="020B0604020202020204" pitchFamily="34" charset="0"/>
+              <a:buChar char="•"/>
+              <a:defRPr sz="1800" kern="1200">
+                <a:solidFill>
+                  <a:schemeClr val="tx1"/>
+                </a:solidFill>
+                <a:latin typeface="+mn-lt"/>
+                <a:ea typeface="+mn-ea"/>
+                <a:cs typeface="+mn-cs"/>
+              </a:defRPr>
+            </a:lvl8pPr>
+            <a:lvl9pPr marL="3886200" indent="-228600" algn="l" defTabSz="914400" rtl="0" eaLnBrk="1" latinLnBrk="0" hangingPunct="1">
+              <a:lnSpc>
+                <a:spcPct val="90000"/>
+              </a:lnSpc>
+              <a:spcBef>
+                <a:spcPts val="500"/>
+              </a:spcBef>
+              <a:buFont typeface="Arial" panose="020B0604020202020204" pitchFamily="34" charset="0"/>
+              <a:buChar char="•"/>
+              <a:defRPr sz="1800" kern="1200">
+                <a:solidFill>
+                  <a:schemeClr val="tx1"/>
+                </a:solidFill>
+                <a:latin typeface="+mn-lt"/>
+                <a:ea typeface="+mn-ea"/>
+                <a:cs typeface="+mn-cs"/>
+              </a:defRPr>
+            </a:lvl9pPr>
+          </a:lstStyle>
+          <a:p>
+            <a:pPr algn="ctr"/>
+            <a:endParaRPr lang="en-US" dirty="0"/>
+          </a:p>
+          <a:p>
+            <a:pPr algn="ctr"/>
+            <a:endParaRPr lang="en-US" dirty="0"/>
+          </a:p>
+        </p:txBody>
+      </p:sp>
+      <p:sp>
+        <p:nvSpPr>
+          <p:cNvPr id="4" name="Content Placeholder 1">
+            <a:extLst>
+              <a:ext uri="{FF2B5EF4-FFF2-40B4-BE49-F238E27FC236}">
+                <a16:creationId xmlns:a16="http://schemas.microsoft.com/office/drawing/2014/main" id="{C6B069A8-839C-4095-0484-4C7B2CAF0098}"/>
+              </a:ext>
+            </a:extLst>
+          </p:cNvPr>
+          <p:cNvSpPr txBox="1">
+            <a:spLocks/>
+          </p:cNvSpPr>
+          <p:nvPr/>
+        </p:nvSpPr>
+        <p:spPr>
+          <a:xfrm>
+            <a:off x="476924" y="1142759"/>
+            <a:ext cx="6857528" cy="4372517"/>
+          </a:xfrm>
+          <a:prstGeom prst="rect">
+            <a:avLst/>
+          </a:prstGeom>
+        </p:spPr>
+        <p:txBody>
+          <a:bodyPr/>
+          <a:lstStyle>
+            <a:lvl1pPr marL="0" indent="0" algn="l" defTabSz="914400" rtl="0" eaLnBrk="1" latinLnBrk="0" hangingPunct="1">
+              <a:lnSpc>
+                <a:spcPct val="90000"/>
+              </a:lnSpc>
+              <a:spcBef>
+                <a:spcPts val="1000"/>
+              </a:spcBef>
+              <a:buFont typeface="Arial" panose="020B0604020202020204" pitchFamily="34" charset="0"/>
+              <a:buNone/>
+              <a:defRPr sz="2800" kern="1200">
+                <a:solidFill>
+                  <a:srgbClr val="595959"/>
+                </a:solidFill>
+                <a:latin typeface="Arial"/>
+                <a:ea typeface="+mn-ea"/>
+                <a:cs typeface="Arial"/>
+              </a:defRPr>
+            </a:lvl1pPr>
+            <a:lvl2pPr marL="685800" indent="-228600" algn="l" defTabSz="914400" rtl="0" eaLnBrk="1" latinLnBrk="0" hangingPunct="1">
+              <a:lnSpc>
+                <a:spcPct val="90000"/>
+              </a:lnSpc>
+              <a:spcBef>
+                <a:spcPts val="500"/>
+              </a:spcBef>
+              <a:buFont typeface="Arial" panose="020B0604020202020204" pitchFamily="34" charset="0"/>
+              <a:buChar char="•"/>
+              <a:defRPr sz="2400" kern="1200">
+                <a:solidFill>
+                  <a:schemeClr val="tx1"/>
+                </a:solidFill>
+                <a:latin typeface="Arial"/>
+                <a:ea typeface="+mn-ea"/>
+                <a:cs typeface="Arial"/>
+              </a:defRPr>
+            </a:lvl2pPr>
+            <a:lvl3pPr marL="1143000" indent="-228600" algn="l" defTabSz="914400" rtl="0" eaLnBrk="1" latinLnBrk="0" hangingPunct="1">
+              <a:lnSpc>
+                <a:spcPct val="90000"/>
+              </a:lnSpc>
+              <a:spcBef>
+                <a:spcPts val="500"/>
+              </a:spcBef>
+              <a:buFont typeface="Arial" panose="020B0604020202020204" pitchFamily="34" charset="0"/>
+              <a:buChar char="•"/>
+              <a:defRPr sz="2000" kern="1200">
+                <a:solidFill>
+                  <a:schemeClr val="tx1"/>
+                </a:solidFill>
+                <a:latin typeface="Arial"/>
+                <a:ea typeface="+mn-ea"/>
+                <a:cs typeface="Arial"/>
+              </a:defRPr>
+            </a:lvl3pPr>
+            <a:lvl4pPr marL="1600200" indent="-228600" algn="l" defTabSz="914400" rtl="0" eaLnBrk="1" latinLnBrk="0" hangingPunct="1">
+              <a:lnSpc>
+                <a:spcPct val="90000"/>
+              </a:lnSpc>
+              <a:spcBef>
+                <a:spcPts val="500"/>
+              </a:spcBef>
+              <a:buFont typeface="Arial" panose="020B0604020202020204" pitchFamily="34" charset="0"/>
+              <a:buChar char="•"/>
+              <a:defRPr sz="1800" kern="1200">
+                <a:solidFill>
+                  <a:schemeClr val="tx1"/>
+                </a:solidFill>
+                <a:latin typeface="Arial"/>
+                <a:ea typeface="+mn-ea"/>
+                <a:cs typeface="Arial"/>
+              </a:defRPr>
+            </a:lvl4pPr>
+            <a:lvl5pPr marL="2057400" indent="-228600" algn="l" defTabSz="914400" rtl="0" eaLnBrk="1" latinLnBrk="0" hangingPunct="1">
+              <a:lnSpc>
+                <a:spcPct val="90000"/>
+              </a:lnSpc>
+              <a:spcBef>
+                <a:spcPts val="500"/>
+              </a:spcBef>
+              <a:buFont typeface="Arial" panose="020B0604020202020204" pitchFamily="34" charset="0"/>
+              <a:buChar char="•"/>
+              <a:defRPr sz="1800" kern="1200">
+                <a:solidFill>
+                  <a:schemeClr val="tx1"/>
+                </a:solidFill>
+                <a:latin typeface="Arial"/>
+                <a:ea typeface="+mn-ea"/>
+                <a:cs typeface="Arial"/>
+              </a:defRPr>
+            </a:lvl5pPr>
+            <a:lvl6pPr marL="2514600" indent="-228600" algn="l" defTabSz="914400" rtl="0" eaLnBrk="1" latinLnBrk="0" hangingPunct="1">
+              <a:lnSpc>
+                <a:spcPct val="90000"/>
+              </a:lnSpc>
+              <a:spcBef>
+                <a:spcPts val="500"/>
+              </a:spcBef>
+              <a:buFont typeface="Arial" panose="020B0604020202020204" pitchFamily="34" charset="0"/>
+              <a:buChar char="•"/>
+              <a:defRPr sz="1800" kern="1200">
+                <a:solidFill>
+                  <a:schemeClr val="tx1"/>
+                </a:solidFill>
+                <a:latin typeface="+mn-lt"/>
+                <a:ea typeface="+mn-ea"/>
+                <a:cs typeface="+mn-cs"/>
+              </a:defRPr>
+            </a:lvl6pPr>
+            <a:lvl7pPr marL="2971800" indent="-228600" algn="l" defTabSz="914400" rtl="0" eaLnBrk="1" latinLnBrk="0" hangingPunct="1">
+              <a:lnSpc>
+                <a:spcPct val="90000"/>
+              </a:lnSpc>
+              <a:spcBef>
+                <a:spcPts val="500"/>
+              </a:spcBef>
+              <a:buFont typeface="Arial" panose="020B0604020202020204" pitchFamily="34" charset="0"/>
+              <a:buChar char="•"/>
+              <a:defRPr sz="1800" kern="1200">
+                <a:solidFill>
+                  <a:schemeClr val="tx1"/>
+                </a:solidFill>
+                <a:latin typeface="+mn-lt"/>
+                <a:ea typeface="+mn-ea"/>
+                <a:cs typeface="+mn-cs"/>
+              </a:defRPr>
+            </a:lvl7pPr>
+            <a:lvl8pPr marL="3429000" indent="-228600" algn="l" defTabSz="914400" rtl="0" eaLnBrk="1" latinLnBrk="0" hangingPunct="1">
+              <a:lnSpc>
+                <a:spcPct val="90000"/>
+              </a:lnSpc>
+              <a:spcBef>
+                <a:spcPts val="500"/>
+              </a:spcBef>
+              <a:buFont typeface="Arial" panose="020B0604020202020204" pitchFamily="34" charset="0"/>
+              <a:buChar char="•"/>
+              <a:defRPr sz="1800" kern="1200">
+                <a:solidFill>
+                  <a:schemeClr val="tx1"/>
+                </a:solidFill>
+                <a:latin typeface="+mn-lt"/>
+                <a:ea typeface="+mn-ea"/>
+                <a:cs typeface="+mn-cs"/>
+              </a:defRPr>
+            </a:lvl8pPr>
+            <a:lvl9pPr marL="3886200" indent="-228600" algn="l" defTabSz="914400" rtl="0" eaLnBrk="1" latinLnBrk="0" hangingPunct="1">
+              <a:lnSpc>
+                <a:spcPct val="90000"/>
+              </a:lnSpc>
+              <a:spcBef>
+                <a:spcPts val="500"/>
+              </a:spcBef>
+              <a:buFont typeface="Arial" panose="020B0604020202020204" pitchFamily="34" charset="0"/>
+              <a:buChar char="•"/>
+              <a:defRPr sz="1800" kern="1200">
+                <a:solidFill>
+                  <a:schemeClr val="tx1"/>
+                </a:solidFill>
+                <a:latin typeface="+mn-lt"/>
+                <a:ea typeface="+mn-ea"/>
+                <a:cs typeface="+mn-cs"/>
+              </a:defRPr>
+            </a:lvl9pPr>
+          </a:lstStyle>
+          <a:p>
+            <a:pPr marL="457200" indent="-457200">
+              <a:buFont typeface="Arial" panose="020B0604020202020204" pitchFamily="34" charset="0"/>
+              <a:buChar char="•"/>
+            </a:pPr>
+            <a:endParaRPr lang="en-US" dirty="0">
+              <a:solidFill>
+                <a:srgbClr val="0070C0"/>
+              </a:solidFill>
+              <a:latin typeface="Arial" panose="020B0604020202020204" pitchFamily="34" charset="0"/>
+              <a:cs typeface="Arial" panose="020B0604020202020204" pitchFamily="34" charset="0"/>
+            </a:endParaRPr>
+          </a:p>
+          <a:p>
+            <a:pPr marL="457200" indent="-457200">
+              <a:buFont typeface="Arial" panose="020B0604020202020204" pitchFamily="34" charset="0"/>
+              <a:buChar char="•"/>
+            </a:pPr>
+            <a:endParaRPr lang="en-US" dirty="0">
+              <a:solidFill>
+                <a:srgbClr val="0070C0"/>
+              </a:solidFill>
+              <a:latin typeface="Arial" panose="020B0604020202020204" pitchFamily="34" charset="0"/>
+              <a:cs typeface="Arial" panose="020B0604020202020204" pitchFamily="34" charset="0"/>
+            </a:endParaRPr>
+          </a:p>
+        </p:txBody>
+      </p:sp>
     </p:spTree>
     <p:extLst>
       <p:ext uri="{BB962C8B-B14F-4D97-AF65-F5344CB8AC3E}">
@@ -8720,49 +12441,6 @@
           <a:chExt cx="0" cy="0"/>
         </a:xfrm>
       </p:grpSpPr>
-      <p:sp>
-        <p:nvSpPr>
-          <p:cNvPr id="5" name="Content Placeholder 1">
-            <a:extLst>
-              <a:ext uri="{FF2B5EF4-FFF2-40B4-BE49-F238E27FC236}">
-                <a16:creationId xmlns:a16="http://schemas.microsoft.com/office/drawing/2014/main" id="{2D720063-EB0E-06B1-8E8A-3800B56D594F}"/>
-              </a:ext>
-            </a:extLst>
-          </p:cNvPr>
-          <p:cNvSpPr>
-            <a:spLocks noGrp="1"/>
-          </p:cNvSpPr>
-          <p:nvPr>
-            <p:ph idx="13"/>
-          </p:nvPr>
-        </p:nvSpPr>
-        <p:spPr>
-          <a:xfrm>
-            <a:off x="476923" y="1142759"/>
-            <a:ext cx="8072273" cy="3711921"/>
-          </a:xfrm>
-        </p:spPr>
-        <p:txBody>
-          <a:bodyPr/>
-          <a:lstStyle/>
-          <a:p>
-            <a:pPr marL="457200" marR="0" lvl="0" indent="-457200">
-              <a:spcAft>
-                <a:spcPts val="0"/>
-              </a:spcAft>
-              <a:buFont typeface="Arial" panose="020B0604020202020204" pitchFamily="34" charset="0"/>
-              <a:buChar char="•"/>
-            </a:pPr>
-            <a:endParaRPr lang="en-US" dirty="0">
-              <a:solidFill>
-                <a:srgbClr val="0070C0"/>
-              </a:solidFill>
-              <a:latin typeface="Arial" panose="020B0604020202020204" pitchFamily="34" charset="0"/>
-              <a:cs typeface="Arial" panose="020B0604020202020204" pitchFamily="34" charset="0"/>
-            </a:endParaRPr>
-          </a:p>
-        </p:txBody>
-      </p:sp>
       <p:sp>
         <p:nvSpPr>
           <p:cNvPr id="2" name="Title 2">
@@ -8849,8 +12527,409 @@
         </p:blipFill>
         <p:spPr>
           <a:xfrm>
-            <a:off x="7794132" y="1268750"/>
+            <a:off x="7695728" y="716379"/>
             <a:ext cx="4068932" cy="2712621"/>
+          </a:xfrm>
+          <a:prstGeom prst="rect">
+            <a:avLst/>
+          </a:prstGeom>
+        </p:spPr>
+      </p:pic>
+      <p:sp>
+        <p:nvSpPr>
+          <p:cNvPr id="3" name="Content Placeholder 2">
+            <a:extLst>
+              <a:ext uri="{FF2B5EF4-FFF2-40B4-BE49-F238E27FC236}">
+                <a16:creationId xmlns:a16="http://schemas.microsoft.com/office/drawing/2014/main" id="{1379CA0B-95C5-9A9A-1D94-46CF0D15CB01}"/>
+              </a:ext>
+            </a:extLst>
+          </p:cNvPr>
+          <p:cNvSpPr txBox="1">
+            <a:spLocks/>
+          </p:cNvSpPr>
+          <p:nvPr/>
+        </p:nvSpPr>
+        <p:spPr>
+          <a:xfrm>
+            <a:off x="838200" y="2178703"/>
+            <a:ext cx="7665720" cy="2777737"/>
+          </a:xfrm>
+          <a:prstGeom prst="rect">
+            <a:avLst/>
+          </a:prstGeom>
+        </p:spPr>
+        <p:txBody>
+          <a:bodyPr/>
+          <a:lstStyle>
+            <a:lvl1pPr marL="0" indent="0" algn="l" defTabSz="914400" rtl="0" eaLnBrk="1" latinLnBrk="0" hangingPunct="1">
+              <a:lnSpc>
+                <a:spcPct val="90000"/>
+              </a:lnSpc>
+              <a:spcBef>
+                <a:spcPts val="1000"/>
+              </a:spcBef>
+              <a:buFont typeface="Arial" panose="020B0604020202020204" pitchFamily="34" charset="0"/>
+              <a:buNone/>
+              <a:defRPr sz="2800" kern="1200">
+                <a:solidFill>
+                  <a:srgbClr val="595959"/>
+                </a:solidFill>
+                <a:latin typeface="Arial"/>
+                <a:ea typeface="+mn-ea"/>
+                <a:cs typeface="Arial"/>
+              </a:defRPr>
+            </a:lvl1pPr>
+            <a:lvl2pPr marL="685800" indent="-228600" algn="l" defTabSz="914400" rtl="0" eaLnBrk="1" latinLnBrk="0" hangingPunct="1">
+              <a:lnSpc>
+                <a:spcPct val="90000"/>
+              </a:lnSpc>
+              <a:spcBef>
+                <a:spcPts val="500"/>
+              </a:spcBef>
+              <a:buFont typeface="Arial" panose="020B0604020202020204" pitchFamily="34" charset="0"/>
+              <a:buChar char="•"/>
+              <a:defRPr sz="2400" kern="1200">
+                <a:solidFill>
+                  <a:schemeClr val="tx1"/>
+                </a:solidFill>
+                <a:latin typeface="Arial"/>
+                <a:ea typeface="+mn-ea"/>
+                <a:cs typeface="Arial"/>
+              </a:defRPr>
+            </a:lvl2pPr>
+            <a:lvl3pPr marL="1143000" indent="-228600" algn="l" defTabSz="914400" rtl="0" eaLnBrk="1" latinLnBrk="0" hangingPunct="1">
+              <a:lnSpc>
+                <a:spcPct val="90000"/>
+              </a:lnSpc>
+              <a:spcBef>
+                <a:spcPts val="500"/>
+              </a:spcBef>
+              <a:buFont typeface="Arial" panose="020B0604020202020204" pitchFamily="34" charset="0"/>
+              <a:buChar char="•"/>
+              <a:defRPr sz="2000" kern="1200">
+                <a:solidFill>
+                  <a:schemeClr val="tx1"/>
+                </a:solidFill>
+                <a:latin typeface="Arial"/>
+                <a:ea typeface="+mn-ea"/>
+                <a:cs typeface="Arial"/>
+              </a:defRPr>
+            </a:lvl3pPr>
+            <a:lvl4pPr marL="1600200" indent="-228600" algn="l" defTabSz="914400" rtl="0" eaLnBrk="1" latinLnBrk="0" hangingPunct="1">
+              <a:lnSpc>
+                <a:spcPct val="90000"/>
+              </a:lnSpc>
+              <a:spcBef>
+                <a:spcPts val="500"/>
+              </a:spcBef>
+              <a:buFont typeface="Arial" panose="020B0604020202020204" pitchFamily="34" charset="0"/>
+              <a:buChar char="•"/>
+              <a:defRPr sz="1800" kern="1200">
+                <a:solidFill>
+                  <a:schemeClr val="tx1"/>
+                </a:solidFill>
+                <a:latin typeface="Arial"/>
+                <a:ea typeface="+mn-ea"/>
+                <a:cs typeface="Arial"/>
+              </a:defRPr>
+            </a:lvl4pPr>
+            <a:lvl5pPr marL="2057400" indent="-228600" algn="l" defTabSz="914400" rtl="0" eaLnBrk="1" latinLnBrk="0" hangingPunct="1">
+              <a:lnSpc>
+                <a:spcPct val="90000"/>
+              </a:lnSpc>
+              <a:spcBef>
+                <a:spcPts val="500"/>
+              </a:spcBef>
+              <a:buFont typeface="Arial" panose="020B0604020202020204" pitchFamily="34" charset="0"/>
+              <a:buChar char="•"/>
+              <a:defRPr sz="1800" kern="1200">
+                <a:solidFill>
+                  <a:schemeClr val="tx1"/>
+                </a:solidFill>
+                <a:latin typeface="Arial"/>
+                <a:ea typeface="+mn-ea"/>
+                <a:cs typeface="Arial"/>
+              </a:defRPr>
+            </a:lvl5pPr>
+            <a:lvl6pPr marL="2514600" indent="-228600" algn="l" defTabSz="914400" rtl="0" eaLnBrk="1" latinLnBrk="0" hangingPunct="1">
+              <a:lnSpc>
+                <a:spcPct val="90000"/>
+              </a:lnSpc>
+              <a:spcBef>
+                <a:spcPts val="500"/>
+              </a:spcBef>
+              <a:buFont typeface="Arial" panose="020B0604020202020204" pitchFamily="34" charset="0"/>
+              <a:buChar char="•"/>
+              <a:defRPr sz="1800" kern="1200">
+                <a:solidFill>
+                  <a:schemeClr val="tx1"/>
+                </a:solidFill>
+                <a:latin typeface="+mn-lt"/>
+                <a:ea typeface="+mn-ea"/>
+                <a:cs typeface="+mn-cs"/>
+              </a:defRPr>
+            </a:lvl6pPr>
+            <a:lvl7pPr marL="2971800" indent="-228600" algn="l" defTabSz="914400" rtl="0" eaLnBrk="1" latinLnBrk="0" hangingPunct="1">
+              <a:lnSpc>
+                <a:spcPct val="90000"/>
+              </a:lnSpc>
+              <a:spcBef>
+                <a:spcPts val="500"/>
+              </a:spcBef>
+              <a:buFont typeface="Arial" panose="020B0604020202020204" pitchFamily="34" charset="0"/>
+              <a:buChar char="•"/>
+              <a:defRPr sz="1800" kern="1200">
+                <a:solidFill>
+                  <a:schemeClr val="tx1"/>
+                </a:solidFill>
+                <a:latin typeface="+mn-lt"/>
+                <a:ea typeface="+mn-ea"/>
+                <a:cs typeface="+mn-cs"/>
+              </a:defRPr>
+            </a:lvl7pPr>
+            <a:lvl8pPr marL="3429000" indent="-228600" algn="l" defTabSz="914400" rtl="0" eaLnBrk="1" latinLnBrk="0" hangingPunct="1">
+              <a:lnSpc>
+                <a:spcPct val="90000"/>
+              </a:lnSpc>
+              <a:spcBef>
+                <a:spcPts val="500"/>
+              </a:spcBef>
+              <a:buFont typeface="Arial" panose="020B0604020202020204" pitchFamily="34" charset="0"/>
+              <a:buChar char="•"/>
+              <a:defRPr sz="1800" kern="1200">
+                <a:solidFill>
+                  <a:schemeClr val="tx1"/>
+                </a:solidFill>
+                <a:latin typeface="+mn-lt"/>
+                <a:ea typeface="+mn-ea"/>
+                <a:cs typeface="+mn-cs"/>
+              </a:defRPr>
+            </a:lvl8pPr>
+            <a:lvl9pPr marL="3886200" indent="-228600" algn="l" defTabSz="914400" rtl="0" eaLnBrk="1" latinLnBrk="0" hangingPunct="1">
+              <a:lnSpc>
+                <a:spcPct val="90000"/>
+              </a:lnSpc>
+              <a:spcBef>
+                <a:spcPts val="500"/>
+              </a:spcBef>
+              <a:buFont typeface="Arial" panose="020B0604020202020204" pitchFamily="34" charset="0"/>
+              <a:buChar char="•"/>
+              <a:defRPr sz="1800" kern="1200">
+                <a:solidFill>
+                  <a:schemeClr val="tx1"/>
+                </a:solidFill>
+                <a:latin typeface="+mn-lt"/>
+                <a:ea typeface="+mn-ea"/>
+                <a:cs typeface="+mn-cs"/>
+              </a:defRPr>
+            </a:lvl9pPr>
+          </a:lstStyle>
+          <a:p>
+            <a:pPr algn="ctr"/>
+            <a:endParaRPr lang="en-US" dirty="0"/>
+          </a:p>
+          <a:p>
+            <a:pPr algn="ctr"/>
+            <a:endParaRPr lang="en-US" dirty="0"/>
+          </a:p>
+        </p:txBody>
+      </p:sp>
+      <p:sp>
+        <p:nvSpPr>
+          <p:cNvPr id="4" name="Content Placeholder 1">
+            <a:extLst>
+              <a:ext uri="{FF2B5EF4-FFF2-40B4-BE49-F238E27FC236}">
+                <a16:creationId xmlns:a16="http://schemas.microsoft.com/office/drawing/2014/main" id="{5BAA1A05-54CD-08E0-8814-9F18B2DFAF8D}"/>
+              </a:ext>
+            </a:extLst>
+          </p:cNvPr>
+          <p:cNvSpPr>
+            <a:spLocks noGrp="1"/>
+          </p:cNvSpPr>
+          <p:nvPr>
+            <p:ph idx="13"/>
+          </p:nvPr>
+        </p:nvSpPr>
+        <p:spPr>
+          <a:xfrm>
+            <a:off x="476924" y="1142759"/>
+            <a:ext cx="6857528" cy="4372517"/>
+          </a:xfrm>
+        </p:spPr>
+        <p:txBody>
+          <a:bodyPr/>
+          <a:lstStyle/>
+          <a:p>
+            <a:r>
+              <a:rPr lang="en-US" b="1" dirty="0">
+                <a:solidFill>
+                  <a:srgbClr val="0070C0"/>
+                </a:solidFill>
+                <a:latin typeface="Arial" panose="020B0604020202020204" pitchFamily="34" charset="0"/>
+                <a:cs typeface="Arial" panose="020B0604020202020204" pitchFamily="34" charset="0"/>
+              </a:rPr>
+              <a:t>US Highway Railroad Crossing Accident dataset </a:t>
+            </a:r>
+            <a:r>
+              <a:rPr lang="en-US" dirty="0">
+                <a:solidFill>
+                  <a:srgbClr val="0070C0"/>
+                </a:solidFill>
+                <a:latin typeface="Arial" panose="020B0604020202020204" pitchFamily="34" charset="0"/>
+                <a:cs typeface="Arial" panose="020B0604020202020204" pitchFamily="34" charset="0"/>
+              </a:rPr>
+              <a:t>sourced from Kaggle</a:t>
+            </a:r>
+          </a:p>
+          <a:p>
+            <a:pPr marR="0" lvl="0">
+              <a:spcAft>
+                <a:spcPts val="0"/>
+              </a:spcAft>
+            </a:pPr>
+            <a:r>
+              <a:rPr lang="en-US" dirty="0">
+                <a:solidFill>
+                  <a:srgbClr val="0070C0"/>
+                </a:solidFill>
+                <a:latin typeface="Arial" panose="020B0604020202020204" pitchFamily="34" charset="0"/>
+                <a:cs typeface="Arial" panose="020B0604020202020204" pitchFamily="34" charset="0"/>
+              </a:rPr>
+              <a:t>Dataset contains,</a:t>
+            </a:r>
+          </a:p>
+          <a:p>
+            <a:pPr marL="457200" marR="0" lvl="0" indent="-457200">
+              <a:spcAft>
+                <a:spcPts val="0"/>
+              </a:spcAft>
+              <a:buFont typeface="Arial" panose="020B0604020202020204" pitchFamily="34" charset="0"/>
+              <a:buChar char="•"/>
+            </a:pPr>
+            <a:r>
+              <a:rPr lang="en-US" b="1" dirty="0">
+                <a:solidFill>
+                  <a:srgbClr val="0070C0"/>
+                </a:solidFill>
+                <a:latin typeface="Arial" panose="020B0604020202020204" pitchFamily="34" charset="0"/>
+                <a:cs typeface="Arial" panose="020B0604020202020204" pitchFamily="34" charset="0"/>
+              </a:rPr>
+              <a:t>120365</a:t>
+            </a:r>
+            <a:r>
+              <a:rPr lang="en-US" sz="2800" dirty="0">
+                <a:solidFill>
+                  <a:srgbClr val="0070C0"/>
+                </a:solidFill>
+                <a:latin typeface="Arial" panose="020B0604020202020204" pitchFamily="34" charset="0"/>
+                <a:cs typeface="Arial" panose="020B0604020202020204" pitchFamily="34" charset="0"/>
+              </a:rPr>
+              <a:t> observations</a:t>
+            </a:r>
+          </a:p>
+          <a:p>
+            <a:pPr marL="457200" marR="0" lvl="0" indent="-457200">
+              <a:spcAft>
+                <a:spcPts val="0"/>
+              </a:spcAft>
+              <a:buFont typeface="Arial" panose="020B0604020202020204" pitchFamily="34" charset="0"/>
+              <a:buChar char="•"/>
+            </a:pPr>
+            <a:r>
+              <a:rPr lang="en-US" b="1" dirty="0">
+                <a:solidFill>
+                  <a:srgbClr val="0070C0"/>
+                </a:solidFill>
+                <a:latin typeface="Arial" panose="020B0604020202020204" pitchFamily="34" charset="0"/>
+                <a:cs typeface="Arial" panose="020B0604020202020204" pitchFamily="34" charset="0"/>
+              </a:rPr>
+              <a:t>46</a:t>
+            </a:r>
+            <a:r>
+              <a:rPr lang="en-US" dirty="0">
+                <a:solidFill>
+                  <a:srgbClr val="0070C0"/>
+                </a:solidFill>
+                <a:latin typeface="Arial" panose="020B0604020202020204" pitchFamily="34" charset="0"/>
+                <a:cs typeface="Arial" panose="020B0604020202020204" pitchFamily="34" charset="0"/>
+              </a:rPr>
+              <a:t> variables</a:t>
+            </a:r>
+          </a:p>
+          <a:p>
+            <a:pPr marL="457200" indent="-457200">
+              <a:buFont typeface="Arial" panose="020B0604020202020204" pitchFamily="34" charset="0"/>
+              <a:buChar char="•"/>
+            </a:pPr>
+            <a:r>
+              <a:rPr lang="en-US" dirty="0">
+                <a:solidFill>
+                  <a:srgbClr val="0070C0"/>
+                </a:solidFill>
+                <a:latin typeface="Arial" panose="020B0604020202020204" pitchFamily="34" charset="0"/>
+                <a:cs typeface="Arial" panose="020B0604020202020204" pitchFamily="34" charset="0"/>
+              </a:rPr>
+              <a:t>Railroad Information, Incident Details, Location Information, Highway and Crossing Details, Vehicle Information, Train Information, Environmental Conditions</a:t>
+            </a:r>
+          </a:p>
+          <a:p>
+            <a:pPr marL="457200" marR="0" lvl="0" indent="-457200">
+              <a:spcAft>
+                <a:spcPts val="0"/>
+              </a:spcAft>
+              <a:buFont typeface="Arial" panose="020B0604020202020204" pitchFamily="34" charset="0"/>
+              <a:buChar char="•"/>
+            </a:pPr>
+            <a:endParaRPr lang="en-US" dirty="0">
+              <a:solidFill>
+                <a:srgbClr val="0070C0"/>
+              </a:solidFill>
+              <a:latin typeface="Arial" panose="020B0604020202020204" pitchFamily="34" charset="0"/>
+              <a:cs typeface="Arial" panose="020B0604020202020204" pitchFamily="34" charset="0"/>
+            </a:endParaRPr>
+          </a:p>
+          <a:p>
+            <a:pPr marL="457200" marR="0" lvl="0" indent="-457200">
+              <a:spcAft>
+                <a:spcPts val="0"/>
+              </a:spcAft>
+              <a:buFont typeface="Arial" panose="020B0604020202020204" pitchFamily="34" charset="0"/>
+              <a:buChar char="•"/>
+            </a:pPr>
+            <a:endParaRPr lang="en-US" dirty="0">
+              <a:solidFill>
+                <a:srgbClr val="0070C0"/>
+              </a:solidFill>
+              <a:latin typeface="Arial" panose="020B0604020202020204" pitchFamily="34" charset="0"/>
+              <a:cs typeface="Arial" panose="020B0604020202020204" pitchFamily="34" charset="0"/>
+            </a:endParaRPr>
+          </a:p>
+        </p:txBody>
+      </p:sp>
+      <p:pic>
+        <p:nvPicPr>
+          <p:cNvPr id="8" name="Picture 7">
+            <a:extLst>
+              <a:ext uri="{FF2B5EF4-FFF2-40B4-BE49-F238E27FC236}">
+                <a16:creationId xmlns:a16="http://schemas.microsoft.com/office/drawing/2014/main" id="{954FF2FB-FFF2-B117-420D-290E289CE99F}"/>
+              </a:ext>
+            </a:extLst>
+          </p:cNvPr>
+          <p:cNvPicPr>
+            <a:picLocks noChangeAspect="1"/>
+          </p:cNvPicPr>
+          <p:nvPr/>
+        </p:nvPicPr>
+        <p:blipFill>
+          <a:blip r:embed="rId3"/>
+          <a:stretch>
+            <a:fillRect/>
+          </a:stretch>
+        </p:blipFill>
+        <p:spPr>
+          <a:xfrm>
+            <a:off x="7529510" y="3851699"/>
+            <a:ext cx="4068932" cy="335290"/>
           </a:xfrm>
           <a:prstGeom prst="rect">
             <a:avLst/>
@@ -8948,6 +13027,139 @@
               </a:rPr>
               <a:t>Exploratory Data Analysis (EDA)</a:t>
             </a:r>
+          </a:p>
+        </p:txBody>
+      </p:sp>
+      <p:sp>
+        <p:nvSpPr>
+          <p:cNvPr id="3" name="Content Placeholder 1">
+            <a:extLst>
+              <a:ext uri="{FF2B5EF4-FFF2-40B4-BE49-F238E27FC236}">
+                <a16:creationId xmlns:a16="http://schemas.microsoft.com/office/drawing/2014/main" id="{7F7C7127-8F27-67B3-C58C-2965193B4344}"/>
+              </a:ext>
+            </a:extLst>
+          </p:cNvPr>
+          <p:cNvSpPr>
+            <a:spLocks noGrp="1"/>
+          </p:cNvSpPr>
+          <p:nvPr>
+            <p:ph idx="13"/>
+          </p:nvPr>
+        </p:nvSpPr>
+        <p:spPr>
+          <a:xfrm>
+            <a:off x="476924" y="1142759"/>
+            <a:ext cx="6857528" cy="4372517"/>
+          </a:xfrm>
+        </p:spPr>
+        <p:txBody>
+          <a:bodyPr/>
+          <a:lstStyle/>
+          <a:p>
+            <a:pPr marR="0" lvl="0">
+              <a:spcAft>
+                <a:spcPts val="0"/>
+              </a:spcAft>
+            </a:pPr>
+            <a:r>
+              <a:rPr lang="en-US" dirty="0">
+                <a:solidFill>
+                  <a:srgbClr val="0070C0"/>
+                </a:solidFill>
+                <a:latin typeface="Arial" panose="020B0604020202020204" pitchFamily="34" charset="0"/>
+                <a:cs typeface="Arial" panose="020B0604020202020204" pitchFamily="34" charset="0"/>
+              </a:rPr>
+              <a:t>Preprocessing Overview</a:t>
+            </a:r>
+          </a:p>
+          <a:p>
+            <a:pPr marL="457200" marR="0" lvl="0" indent="-457200">
+              <a:spcAft>
+                <a:spcPts val="0"/>
+              </a:spcAft>
+              <a:buFont typeface="Arial" panose="020B0604020202020204" pitchFamily="34" charset="0"/>
+              <a:buChar char="•"/>
+            </a:pPr>
+            <a:r>
+              <a:rPr lang="en-US" dirty="0">
+                <a:solidFill>
+                  <a:srgbClr val="0070C0"/>
+                </a:solidFill>
+                <a:latin typeface="Arial" panose="020B0604020202020204" pitchFamily="34" charset="0"/>
+                <a:cs typeface="Arial" panose="020B0604020202020204" pitchFamily="34" charset="0"/>
+              </a:rPr>
+              <a:t>No missing values</a:t>
+            </a:r>
+          </a:p>
+          <a:p>
+            <a:pPr marL="457200" marR="0" lvl="0" indent="-457200">
+              <a:spcAft>
+                <a:spcPts val="0"/>
+              </a:spcAft>
+              <a:buFont typeface="Arial" panose="020B0604020202020204" pitchFamily="34" charset="0"/>
+              <a:buChar char="•"/>
+            </a:pPr>
+            <a:r>
+              <a:rPr lang="en-US" dirty="0">
+                <a:solidFill>
+                  <a:srgbClr val="0070C0"/>
+                </a:solidFill>
+                <a:latin typeface="Arial" panose="020B0604020202020204" pitchFamily="34" charset="0"/>
+                <a:cs typeface="Arial" panose="020B0604020202020204" pitchFamily="34" charset="0"/>
+              </a:rPr>
+              <a:t>No unique values</a:t>
+            </a:r>
+          </a:p>
+          <a:p>
+            <a:pPr marL="457200" marR="0" lvl="0" indent="-457200">
+              <a:spcAft>
+                <a:spcPts val="0"/>
+              </a:spcAft>
+              <a:buFont typeface="Arial" panose="020B0604020202020204" pitchFamily="34" charset="0"/>
+              <a:buChar char="•"/>
+            </a:pPr>
+            <a:r>
+              <a:rPr lang="en-US" dirty="0">
+                <a:solidFill>
+                  <a:srgbClr val="0070C0"/>
+                </a:solidFill>
+                <a:latin typeface="Arial" panose="020B0604020202020204" pitchFamily="34" charset="0"/>
+                <a:cs typeface="Arial" panose="020B0604020202020204" pitchFamily="34" charset="0"/>
+              </a:rPr>
+              <a:t>Data Type Conversion</a:t>
+            </a:r>
+          </a:p>
+          <a:p>
+            <a:pPr marL="457200" marR="0" lvl="0" indent="-457200">
+              <a:spcAft>
+                <a:spcPts val="0"/>
+              </a:spcAft>
+              <a:buFont typeface="Arial" panose="020B0604020202020204" pitchFamily="34" charset="0"/>
+              <a:buChar char="•"/>
+            </a:pPr>
+            <a:endParaRPr lang="en-US" dirty="0">
+              <a:solidFill>
+                <a:srgbClr val="0070C0"/>
+              </a:solidFill>
+              <a:latin typeface="Arial" panose="020B0604020202020204" pitchFamily="34" charset="0"/>
+              <a:cs typeface="Arial" panose="020B0604020202020204" pitchFamily="34" charset="0"/>
+            </a:endParaRPr>
+          </a:p>
+          <a:p>
+            <a:pPr marL="457200" marR="0" lvl="0" indent="-457200">
+              <a:spcAft>
+                <a:spcPts val="0"/>
+              </a:spcAft>
+              <a:buFont typeface="Arial" panose="020B0604020202020204" pitchFamily="34" charset="0"/>
+              <a:buChar char="•"/>
+            </a:pPr>
+            <a:endParaRPr lang="en-US" dirty="0">
+              <a:solidFill>
+                <a:srgbClr val="0070C0"/>
+              </a:solidFill>
+              <a:latin typeface="Arial" panose="020B0604020202020204" pitchFamily="34" charset="0"/>
+              <a:cs typeface="Arial" panose="020B0604020202020204" pitchFamily="34" charset="0"/>
+            </a:endParaRPr>
           </a:p>
         </p:txBody>
       </p:sp>
